--- a/Servlets/Day2/Docs/Web Presentation-Part2.pptx
+++ b/Servlets/Day2/Docs/Web Presentation-Part2.pptx
@@ -246,7 +246,7 @@
             <a:fld id="{4F94E7C4-328C-457B-8CA2-EE381C323794}" type="datetimeFigureOut">
               <a:rPr lang="en-US" smtClean="0"/>
               <a:pPr/>
-              <a:t>7/17/2017</a:t>
+              <a:t>7/18/2017</a:t>
             </a:fld>
             <a:endParaRPr lang="en-US"/>
           </a:p>
@@ -5822,7 +5822,7 @@
             <a:fld id="{0DDD1723-F08C-BC4A-A158-087EDAF93B47}" type="datetimeFigureOut">
               <a:rPr lang="en-US"/>
               <a:pPr/>
-              <a:t>7/17/2017</a:t>
+              <a:t>7/18/2017</a:t>
             </a:fld>
             <a:endParaRPr lang="en-US"/>
           </a:p>
@@ -6343,8 +6343,8 @@
         </p:nvSpPr>
         <p:spPr>
           <a:xfrm>
-            <a:off x="4032069" y="5097998"/>
-            <a:ext cx="3890012" cy="1600438"/>
+            <a:off x="4032069" y="5252932"/>
+            <a:ext cx="3890012" cy="1354217"/>
           </a:xfrm>
           <a:prstGeom prst="rect">
             <a:avLst/>
@@ -6416,33 +6416,7 @@
                   <a:schemeClr val="bg1"/>
                 </a:solidFill>
               </a:rPr>
-              <a:t> 		Alexandru Krancevik</a:t>
-            </a:r>
-          </a:p>
-          <a:p>
-            <a:r>
-              <a:rPr lang="en-US" sz="1600" dirty="0" smtClean="0">
-                <a:solidFill>
-                  <a:schemeClr val="bg1"/>
-                </a:solidFill>
-              </a:rPr>
-              <a:t>		</a:t>
-            </a:r>
-            <a:r>
-              <a:rPr lang="en-US" sz="1600" dirty="0" err="1" smtClean="0">
-                <a:solidFill>
-                  <a:schemeClr val="bg1"/>
-                </a:solidFill>
-              </a:rPr>
-              <a:t>Tekin</a:t>
-            </a:r>
-            <a:r>
-              <a:rPr lang="en-US" sz="1600" dirty="0" smtClean="0">
-                <a:solidFill>
-                  <a:schemeClr val="bg1"/>
-                </a:solidFill>
-              </a:rPr>
-              <a:t> Omer-Ali</a:t>
+              <a:t> 		</a:t>
             </a:r>
             <a:endParaRPr lang="ro-RO" sz="1600" dirty="0">
               <a:solidFill>
@@ -7324,8 +7298,8 @@
         </p:nvSpPr>
         <p:spPr>
           <a:xfrm>
-            <a:off x="720724" y="1724025"/>
-            <a:ext cx="7704139" cy="4185761"/>
+            <a:off x="720724" y="1604281"/>
+            <a:ext cx="7802790" cy="4493538"/>
           </a:xfrm>
           <a:prstGeom prst="rect">
             <a:avLst/>
@@ -7343,11 +7317,11 @@
               <a:buChar char="•"/>
             </a:pPr>
             <a:r>
-              <a:rPr lang="en-US" sz="2400" dirty="0" smtClean="0"/>
+              <a:rPr lang="en-US" dirty="0" smtClean="0"/>
               <a:t> </a:t>
             </a:r>
             <a:r>
-              <a:rPr lang="en-US" sz="1600" b="1" dirty="0"/>
+              <a:rPr lang="en-US" b="1" dirty="0"/>
               <a:t>Getting a RequestDispatcher</a:t>
             </a:r>
           </a:p>
@@ -7360,19 +7334,19 @@
           </a:p>
           <a:p>
             <a:r>
-              <a:rPr lang="en-US" sz="1600" dirty="0" smtClean="0"/>
+              <a:rPr lang="en-US" dirty="0" smtClean="0"/>
               <a:t>protected void doPost(HttpServletRequest request,</a:t>
             </a:r>
           </a:p>
           <a:p>
             <a:r>
-              <a:rPr lang="en-US" sz="1600" dirty="0" smtClean="0"/>
+              <a:rPr lang="en-US" dirty="0" smtClean="0"/>
               <a:t>                      HttpServletResponse response)</a:t>
             </a:r>
           </a:p>
           <a:p>
             <a:r>
-              <a:rPr lang="en-US" sz="1600" dirty="0" smtClean="0"/>
+              <a:rPr lang="en-US" dirty="0" smtClean="0"/>
               <a:t>        throws ServletException, IOException {</a:t>
             </a:r>
           </a:p>
@@ -7381,28 +7355,28 @@
               <a:buFont typeface="Arial" pitchFamily="34" charset="0"/>
               <a:buChar char="•"/>
             </a:pPr>
-            <a:endParaRPr lang="en-US" sz="1600" dirty="0" smtClean="0"/>
-          </a:p>
-          <a:p>
-            <a:r>
-              <a:rPr lang="en-US" sz="1600" dirty="0" smtClean="0"/>
+            <a:endParaRPr lang="en-US" dirty="0" smtClean="0"/>
+          </a:p>
+          <a:p>
+            <a:r>
+              <a:rPr lang="en-US" dirty="0" smtClean="0"/>
               <a:t>  RequestDispatcher requestDispatcher =</a:t>
             </a:r>
           </a:p>
           <a:p>
             <a:r>
-              <a:rPr lang="en-US" sz="1600" dirty="0" smtClean="0"/>
+              <a:rPr lang="en-US" dirty="0" smtClean="0"/>
               <a:t>    request.getRequestDispatcher("/nextURL");</a:t>
             </a:r>
           </a:p>
           <a:p>
             <a:r>
-              <a:rPr lang="en-US" sz="1600" dirty="0" smtClean="0"/>
+              <a:rPr lang="en-US" dirty="0" smtClean="0"/>
               <a:t>}</a:t>
             </a:r>
           </a:p>
           <a:p>
-            <a:endParaRPr lang="en-US" sz="1600" b="1" dirty="0" smtClean="0"/>
+            <a:endParaRPr lang="en-US" b="1" dirty="0" smtClean="0"/>
           </a:p>
           <a:p>
             <a:pPr marL="285750" indent="-285750">
@@ -7410,25 +7384,25 @@
               <a:buChar char="•"/>
             </a:pPr>
             <a:r>
-              <a:rPr lang="en-US" sz="1600" b="1" dirty="0" smtClean="0"/>
+              <a:rPr lang="en-US" b="1" dirty="0" smtClean="0"/>
               <a:t>Call RequestDispatcher using either include() or forward() method:</a:t>
             </a:r>
           </a:p>
           <a:p>
-            <a:endParaRPr lang="en-US" sz="1600" b="1" dirty="0" smtClean="0"/>
-          </a:p>
-          <a:p>
-            <a:r>
-              <a:rPr lang="en-US" sz="1600" dirty="0" smtClean="0"/>
+            <a:endParaRPr lang="en-US" b="1" dirty="0" smtClean="0"/>
+          </a:p>
+          <a:p>
+            <a:r>
+              <a:rPr lang="en-US" dirty="0" smtClean="0"/>
               <a:t>requestDispatcher.forward(request, response);</a:t>
             </a:r>
           </a:p>
           <a:p>
-            <a:endParaRPr lang="en-US" sz="1600" dirty="0" smtClean="0"/>
-          </a:p>
-          <a:p>
-            <a:r>
-              <a:rPr lang="en-US" sz="1600" dirty="0" smtClean="0"/>
+            <a:endParaRPr lang="en-US" dirty="0" smtClean="0"/>
+          </a:p>
+          <a:p>
+            <a:r>
+              <a:rPr lang="en-US" dirty="0" smtClean="0"/>
               <a:t>requestDispatcher.include(request, response);</a:t>
             </a:r>
           </a:p>
@@ -7514,7 +7488,12 @@
             <p:ph idx="1"/>
           </p:nvPr>
         </p:nvSpPr>
-        <p:spPr/>
+        <p:spPr>
+          <a:xfrm>
+            <a:off x="720723" y="1447800"/>
+            <a:ext cx="7704139" cy="4690169"/>
+          </a:xfrm>
+        </p:spPr>
         <p:txBody>
           <a:bodyPr/>
           <a:lstStyle/>
@@ -7543,8 +7522,8 @@
         </p:nvSpPr>
         <p:spPr>
           <a:xfrm>
-            <a:off x="720724" y="1724026"/>
-            <a:ext cx="7704139" cy="5139869"/>
+            <a:off x="720724" y="1473655"/>
+            <a:ext cx="7704139" cy="5786199"/>
           </a:xfrm>
           <a:prstGeom prst="rect">
             <a:avLst/>
@@ -7558,87 +7537,87 @@
           <a:lstStyle/>
           <a:p>
             <a:r>
-              <a:rPr lang="en-US" sz="1600" dirty="0" smtClean="0"/>
+              <a:rPr lang="en-US" dirty="0" smtClean="0"/>
               <a:t>You can share data between two servlets by adding and retrieving attributes using the request object. In this case, the scope of the attributes will be “request”.</a:t>
             </a:r>
           </a:p>
           <a:p>
-            <a:endParaRPr lang="en-US" sz="1600" dirty="0" smtClean="0"/>
-          </a:p>
-          <a:p>
-            <a:r>
-              <a:rPr lang="en-US" sz="1600" dirty="0" smtClean="0"/>
+            <a:endParaRPr lang="en-US" dirty="0" smtClean="0"/>
+          </a:p>
+          <a:p>
+            <a:r>
+              <a:rPr lang="en-US" dirty="0" smtClean="0"/>
               <a:t>Method from HttpServletRequest:</a:t>
             </a:r>
           </a:p>
           <a:p>
             <a:r>
-              <a:rPr lang="en-US" sz="1600" b="1" dirty="0" smtClean="0"/>
+              <a:rPr lang="en-US" b="1" dirty="0" smtClean="0"/>
               <a:t>public void setAttribute(String name, Object o);</a:t>
             </a:r>
           </a:p>
           <a:p>
-            <a:endParaRPr lang="en-US" sz="1600" dirty="0" smtClean="0"/>
-          </a:p>
-          <a:p>
-            <a:r>
-              <a:rPr lang="en-US" sz="2000" b="1" dirty="0" smtClean="0"/>
+            <a:endParaRPr lang="en-US" dirty="0" smtClean="0"/>
+          </a:p>
+          <a:p>
+            <a:r>
+              <a:rPr lang="en-US" b="1" dirty="0" smtClean="0"/>
               <a:t>Example:</a:t>
             </a:r>
           </a:p>
           <a:p>
-            <a:endParaRPr lang="en-US" sz="1600" dirty="0" smtClean="0"/>
+            <a:endParaRPr lang="en-US" dirty="0" smtClean="0"/>
           </a:p>
           <a:p>
             <a:pPr lvl="1"/>
             <a:r>
-              <a:rPr lang="en-US" sz="1600" dirty="0" smtClean="0"/>
+              <a:rPr lang="en-US" dirty="0" smtClean="0"/>
               <a:t>Setting attribute:</a:t>
             </a:r>
           </a:p>
           <a:p>
             <a:pPr lvl="1"/>
             <a:r>
-              <a:rPr lang="en-US" sz="1600" b="1" dirty="0" smtClean="0"/>
+              <a:rPr lang="en-US" b="1" dirty="0" smtClean="0"/>
               <a:t>request.setAttribute("someAttribute", "someAttributeValue");</a:t>
             </a:r>
           </a:p>
           <a:p>
             <a:pPr lvl="1"/>
             <a:r>
-              <a:rPr lang="en-US" sz="1600" b="1" dirty="0" smtClean="0"/>
+              <a:rPr lang="en-US" b="1" dirty="0" smtClean="0"/>
               <a:t>RequestDispatcher requestDispatcher =</a:t>
             </a:r>
           </a:p>
           <a:p>
             <a:pPr lvl="1"/>
             <a:r>
-              <a:rPr lang="en-US" sz="1600" b="1" dirty="0" smtClean="0"/>
+              <a:rPr lang="en-US" b="1" dirty="0" smtClean="0"/>
               <a:t>					request.getRequestDispatcher("/nextURL");</a:t>
             </a:r>
           </a:p>
           <a:p>
             <a:pPr lvl="1"/>
             <a:r>
-              <a:rPr lang="en-US" sz="1600" b="1" dirty="0" smtClean="0"/>
+              <a:rPr lang="en-US" b="1" dirty="0" smtClean="0"/>
               <a:t>requestDispatcher.forward(request, response);</a:t>
             </a:r>
           </a:p>
           <a:p>
             <a:pPr lvl="1"/>
-            <a:endParaRPr lang="en-US" sz="1600" dirty="0" smtClean="0"/>
+            <a:endParaRPr lang="en-US" dirty="0" smtClean="0"/>
           </a:p>
           <a:p>
             <a:pPr lvl="1"/>
             <a:r>
-              <a:rPr lang="en-US" sz="1600" dirty="0" smtClean="0"/>
+              <a:rPr lang="en-US" dirty="0" smtClean="0"/>
               <a:t>Getting attribute:</a:t>
             </a:r>
           </a:p>
           <a:p>
             <a:pPr lvl="1"/>
             <a:r>
-              <a:rPr lang="en-US" sz="1600" b="1" dirty="0" smtClean="0"/>
+              <a:rPr lang="en-US" b="1" dirty="0" smtClean="0"/>
               <a:t>request.getAttribute("someAttribute");</a:t>
             </a:r>
           </a:p>
@@ -7771,8 +7750,8 @@
         </p:blipFill>
         <p:spPr bwMode="auto">
           <a:xfrm>
-            <a:off x="1195388" y="2314574"/>
-            <a:ext cx="7855930" cy="3239559"/>
+            <a:off x="476174" y="2042431"/>
+            <a:ext cx="8193238" cy="3737883"/>
           </a:xfrm>
           <a:prstGeom prst="rect">
             <a:avLst/>
@@ -7901,8 +7880,8 @@
         </p:blipFill>
         <p:spPr bwMode="auto">
           <a:xfrm>
-            <a:off x="1295400" y="2319338"/>
-            <a:ext cx="7549950" cy="2929995"/>
+            <a:off x="267983" y="2112509"/>
+            <a:ext cx="8876018" cy="3515405"/>
           </a:xfrm>
           <a:prstGeom prst="rect">
             <a:avLst/>
@@ -7991,7 +7970,7 @@
         <p:spPr>
           <a:xfrm>
             <a:off x="703172" y="1719840"/>
-            <a:ext cx="7725128" cy="923330"/>
+            <a:ext cx="7725128" cy="1015663"/>
           </a:xfrm>
           <a:prstGeom prst="rect">
             <a:avLst/>
@@ -8008,25 +7987,25 @@
               <a:buChar char="•"/>
             </a:pPr>
             <a:r>
-              <a:rPr lang="en-US" dirty="0"/>
+              <a:rPr lang="en-US" sz="2000" dirty="0"/>
               <a:t>Open file WorkShop </a:t>
             </a:r>
             <a:r>
-              <a:rPr lang="en-US" dirty="0" smtClean="0"/>
+              <a:rPr lang="en-US" sz="2000" dirty="0" smtClean="0"/>
               <a:t>1 </a:t>
             </a:r>
             <a:r>
-              <a:rPr lang="en-US" dirty="0"/>
+              <a:rPr lang="en-US" sz="2000" dirty="0"/>
               <a:t>- RequestDispatcherWorkshop.docx</a:t>
             </a:r>
-            <a:endParaRPr lang="en-US" dirty="0" smtClean="0"/>
+            <a:endParaRPr lang="en-US" sz="2000" dirty="0" smtClean="0"/>
           </a:p>
           <a:p>
             <a:pPr marL="285750" indent="-285750">
               <a:buFont typeface="Arial" panose="020B0604020202020204" pitchFamily="34" charset="0"/>
               <a:buChar char="•"/>
             </a:pPr>
-            <a:endParaRPr lang="en-US" b="1" dirty="0" smtClean="0"/>
+            <a:endParaRPr lang="en-US" sz="2000" b="1" dirty="0" smtClean="0"/>
           </a:p>
           <a:p>
             <a:pPr marL="285750" indent="-285750">
@@ -8034,10 +8013,10 @@
               <a:buChar char="•"/>
             </a:pPr>
             <a:r>
-              <a:rPr lang="en-US" dirty="0" smtClean="0"/>
+              <a:rPr lang="en-US" sz="2000" dirty="0" smtClean="0"/>
               <a:t>Begin workshop </a:t>
             </a:r>
-            <a:endParaRPr lang="en-US" dirty="0"/>
+            <a:endParaRPr lang="en-US" sz="2000" dirty="0"/>
           </a:p>
         </p:txBody>
       </p:sp>
@@ -8418,19 +8397,19 @@
           </a:p>
           <a:p>
             <a:pPr lvl="1"/>
-            <a:endParaRPr lang="en-US" dirty="0" smtClean="0"/>
+            <a:endParaRPr lang="en-US" sz="1800" dirty="0" smtClean="0"/>
           </a:p>
           <a:p>
             <a:pPr lvl="1"/>
             <a:r>
-              <a:rPr lang="en-US" dirty="0" smtClean="0"/>
+              <a:rPr lang="en-US" sz="1800" dirty="0" smtClean="0"/>
               <a:t>Java classes that can be used in Servlet Programming for:</a:t>
             </a:r>
           </a:p>
           <a:p>
             <a:pPr lvl="2"/>
             <a:r>
-              <a:rPr lang="en-US" dirty="0" smtClean="0"/>
+              <a:rPr lang="en-US" sz="1800" dirty="0" smtClean="0"/>
               <a:t>Intercepting requests from a client before they access </a:t>
             </a:r>
           </a:p>
@@ -8439,14 +8418,14 @@
               <a:buNone/>
             </a:pPr>
             <a:r>
-              <a:rPr lang="en-US" dirty="0" smtClean="0"/>
+              <a:rPr lang="en-US" sz="1800" dirty="0" smtClean="0"/>
               <a:t>a resource from the backend</a:t>
             </a:r>
           </a:p>
           <a:p>
             <a:pPr lvl="2"/>
             <a:r>
-              <a:rPr lang="en-US" dirty="0" smtClean="0"/>
+              <a:rPr lang="en-US" sz="1800" dirty="0" smtClean="0"/>
               <a:t>Manipulate responses from server before they are sent </a:t>
             </a:r>
           </a:p>
@@ -8455,7 +8434,7 @@
               <a:buNone/>
             </a:pPr>
             <a:r>
-              <a:rPr lang="en-US" dirty="0" smtClean="0"/>
+              <a:rPr lang="en-US" sz="1800" dirty="0" smtClean="0"/>
               <a:t>back to the client</a:t>
             </a:r>
           </a:p>
@@ -8527,7 +8506,7 @@
         <p:spPr bwMode="auto">
           <a:xfrm>
             <a:off x="1921193" y="3424238"/>
-            <a:ext cx="5460682" cy="2528093"/>
+            <a:ext cx="6190844" cy="2866131"/>
           </a:xfrm>
           <a:prstGeom prst="rect">
             <a:avLst/>
@@ -8875,8 +8854,8 @@
         </p:nvSpPr>
         <p:spPr>
           <a:xfrm>
-            <a:off x="554470" y="1596831"/>
-            <a:ext cx="8306898" cy="4524315"/>
+            <a:off x="554470" y="1270259"/>
+            <a:ext cx="8306898" cy="4924425"/>
           </a:xfrm>
           <a:prstGeom prst="rect">
             <a:avLst/>
@@ -8893,12 +8872,12 @@
           </a:p>
           <a:p>
             <a:pPr lvl="1"/>
-            <a:endParaRPr lang="en-US" dirty="0"/>
+            <a:endParaRPr lang="en-US" sz="2000" dirty="0"/>
           </a:p>
           <a:p>
             <a:pPr lvl="1"/>
             <a:r>
-              <a:rPr lang="en-US" dirty="0" smtClean="0"/>
+              <a:rPr lang="en-US" sz="2000" dirty="0" smtClean="0"/>
               <a:t>In order to create a filter you should use the following instructions:</a:t>
             </a:r>
           </a:p>
@@ -8907,14 +8886,14 @@
               <a:buFont typeface="Arial" pitchFamily="34" charset="0"/>
               <a:buChar char="•"/>
             </a:pPr>
-            <a:endParaRPr lang="en-US" dirty="0" smtClean="0"/>
+            <a:endParaRPr lang="en-US" sz="2000" dirty="0" smtClean="0"/>
           </a:p>
           <a:p>
             <a:pPr marL="800100" lvl="1" indent="-342900">
               <a:buAutoNum type="arabicPeriod"/>
             </a:pPr>
             <a:r>
-              <a:rPr lang="en-US" dirty="0" smtClean="0"/>
+              <a:rPr lang="en-US" sz="2000" dirty="0" smtClean="0"/>
               <a:t>Implement interface Filter from javax.servlet package</a:t>
             </a:r>
           </a:p>
@@ -8922,66 +8901,58 @@
             <a:pPr marL="800100" lvl="1" indent="-342900">
               <a:buAutoNum type="arabicPeriod"/>
             </a:pPr>
-            <a:endParaRPr lang="en-US" dirty="0" smtClean="0"/>
+            <a:endParaRPr lang="en-US" sz="2000" dirty="0" smtClean="0"/>
           </a:p>
           <a:p>
             <a:pPr lvl="1"/>
             <a:r>
-              <a:rPr lang="en-US" dirty="0" smtClean="0"/>
+              <a:rPr lang="en-US" sz="2000" dirty="0" smtClean="0"/>
               <a:t>2. Implement method init().   </a:t>
             </a:r>
           </a:p>
           <a:p>
             <a:pPr lvl="1"/>
-            <a:endParaRPr lang="en-US" dirty="0" smtClean="0"/>
+            <a:endParaRPr lang="en-US" sz="2000" dirty="0" smtClean="0"/>
           </a:p>
           <a:p>
             <a:pPr lvl="1"/>
             <a:r>
-              <a:rPr lang="en-US" dirty="0" smtClean="0"/>
+              <a:rPr lang="en-US" sz="2000" dirty="0" smtClean="0"/>
               <a:t>3. Implement method </a:t>
             </a:r>
             <a:r>
-              <a:rPr lang="en-US" b="1" dirty="0" smtClean="0"/>
+              <a:rPr lang="en-US" sz="2000" b="1" dirty="0" smtClean="0"/>
               <a:t>public void doFilter (ServletRequest, ServletResponse, FilterChain); </a:t>
             </a:r>
             <a:r>
-              <a:rPr lang="en-US" dirty="0" smtClean="0"/>
-              <a:t> In this method if you want to continue with the other filters in the chain add </a:t>
-            </a:r>
-            <a:r>
-              <a:rPr lang="en-US" dirty="0" smtClean="0"/>
-              <a:t>at </a:t>
-            </a:r>
-            <a:r>
-              <a:rPr lang="en-US" dirty="0" smtClean="0"/>
-              <a:t>the last code line the following instrunction </a:t>
-            </a:r>
-            <a:r>
-              <a:rPr lang="en-US" b="1" dirty="0"/>
+              <a:rPr lang="en-US" sz="2000" dirty="0" smtClean="0"/>
+              <a:t> In this method if you want to continue with the other filters in the chain add at the last code line the following instrunction </a:t>
+            </a:r>
+            <a:r>
+              <a:rPr lang="en-US" sz="2000" b="1" dirty="0"/>
               <a:t>chain.doFilter(request, response);</a:t>
             </a:r>
-            <a:endParaRPr lang="en-US" b="1" dirty="0" smtClean="0"/>
+            <a:endParaRPr lang="en-US" sz="2000" b="1" dirty="0" smtClean="0"/>
           </a:p>
           <a:p>
             <a:pPr lvl="1"/>
-            <a:endParaRPr lang="en-US" dirty="0" smtClean="0"/>
+            <a:endParaRPr lang="en-US" sz="2000" dirty="0" smtClean="0"/>
           </a:p>
           <a:p>
             <a:pPr lvl="1"/>
             <a:r>
-              <a:rPr lang="en-US" b="1" dirty="0" smtClean="0"/>
+              <a:rPr lang="en-US" sz="2000" b="1" dirty="0" smtClean="0"/>
               <a:t>4. </a:t>
             </a:r>
             <a:r>
-              <a:rPr lang="en-US" dirty="0" smtClean="0"/>
+              <a:rPr lang="en-US" sz="2000" dirty="0" smtClean="0"/>
               <a:t>Implement method </a:t>
             </a:r>
             <a:r>
-              <a:rPr lang="en-US" b="1" dirty="0" smtClean="0"/>
+              <a:rPr lang="en-US" sz="2000" b="1" dirty="0" smtClean="0"/>
               <a:t>public void destroy()</a:t>
             </a:r>
-            <a:endParaRPr lang="en-US" dirty="0" smtClean="0"/>
+            <a:endParaRPr lang="en-US" sz="2000" dirty="0" smtClean="0"/>
           </a:p>
           <a:p>
             <a:pPr lvl="2">
@@ -9096,7 +9067,7 @@
         <p:spPr>
           <a:xfrm>
             <a:off x="720723" y="1600201"/>
-            <a:ext cx="7974390" cy="4247317"/>
+            <a:ext cx="7974390" cy="4985980"/>
           </a:xfrm>
           <a:prstGeom prst="rect">
             <a:avLst/>
@@ -9110,106 +9081,106 @@
           <a:p>
             <a:pPr lvl="1"/>
             <a:r>
-              <a:rPr lang="en-US" dirty="0" smtClean="0"/>
+              <a:rPr lang="en-US" sz="2000" dirty="0" smtClean="0"/>
               <a:t>5. Declare the filter in </a:t>
             </a:r>
             <a:r>
-              <a:rPr lang="en-US" b="1" dirty="0" smtClean="0"/>
+              <a:rPr lang="en-US" sz="2000" b="1" dirty="0" smtClean="0"/>
               <a:t>web.xml </a:t>
             </a:r>
             <a:r>
-              <a:rPr lang="en-US" dirty="0" smtClean="0"/>
+              <a:rPr lang="en-US" sz="2000" dirty="0" smtClean="0"/>
               <a:t>deployment descriptor</a:t>
             </a:r>
           </a:p>
           <a:p>
             <a:pPr lvl="1"/>
             <a:r>
-              <a:rPr lang="en-US" b="1" dirty="0" smtClean="0"/>
+              <a:rPr lang="en-US" sz="2000" b="1" dirty="0" smtClean="0"/>
               <a:t>&lt;filter&gt;</a:t>
             </a:r>
           </a:p>
           <a:p>
             <a:pPr lvl="1"/>
             <a:r>
-              <a:rPr lang="en-US" b="1" dirty="0" smtClean="0"/>
+              <a:rPr lang="en-US" sz="2000" b="1" dirty="0" smtClean="0"/>
               <a:t>   &lt;filter-name&gt;SomeFilter&lt;/filter-name&gt;</a:t>
             </a:r>
           </a:p>
           <a:p>
             <a:pPr lvl="1"/>
             <a:r>
-              <a:rPr lang="en-US" b="1" dirty="0" smtClean="0"/>
+              <a:rPr lang="en-US" sz="2000" b="1" dirty="0" smtClean="0"/>
               <a:t>   &lt;filter-class&gt;ro.teamnet.z2h.SomeFilter&lt;/filter-class&gt;</a:t>
             </a:r>
           </a:p>
           <a:p>
             <a:pPr lvl="1"/>
             <a:r>
-              <a:rPr lang="en-US" b="1" dirty="0" smtClean="0"/>
+              <a:rPr lang="en-US" sz="2000" b="1" dirty="0" smtClean="0"/>
               <a:t>   &lt;init-param&gt;</a:t>
             </a:r>
           </a:p>
           <a:p>
             <a:pPr lvl="1"/>
             <a:r>
-              <a:rPr lang="en-US" b="1" dirty="0" smtClean="0"/>
+              <a:rPr lang="en-US" sz="2000" b="1" dirty="0" smtClean="0"/>
               <a:t>	  &lt;param-name&gt;someInitParam&lt;/param-name&gt;</a:t>
             </a:r>
           </a:p>
           <a:p>
             <a:pPr lvl="1"/>
             <a:r>
-              <a:rPr lang="en-US" b="1" dirty="0" smtClean="0"/>
+              <a:rPr lang="en-US" sz="2000" b="1" dirty="0" smtClean="0"/>
               <a:t>	  &lt;param-value&gt;Init Parameter Value&lt;/param-value&gt;</a:t>
             </a:r>
           </a:p>
           <a:p>
             <a:pPr lvl="1"/>
             <a:r>
-              <a:rPr lang="en-US" b="1" dirty="0" smtClean="0"/>
+              <a:rPr lang="en-US" sz="2000" b="1" dirty="0" smtClean="0"/>
               <a:t>   &lt;/init-param&gt;</a:t>
             </a:r>
           </a:p>
           <a:p>
             <a:pPr lvl="1"/>
             <a:r>
-              <a:rPr lang="en-US" b="1" dirty="0" smtClean="0"/>
+              <a:rPr lang="en-US" sz="2000" b="1" dirty="0" smtClean="0"/>
               <a:t>&lt;/filter&gt;</a:t>
             </a:r>
           </a:p>
           <a:p>
             <a:pPr lvl="1"/>
             <a:r>
-              <a:rPr lang="en-US" dirty="0" smtClean="0"/>
+              <a:rPr lang="en-US" sz="2000" dirty="0" smtClean="0"/>
               <a:t>6. Map the Filter to the components/url that you want this filter to apply</a:t>
             </a:r>
           </a:p>
           <a:p>
             <a:pPr lvl="1"/>
             <a:r>
-              <a:rPr lang="en-US" b="1" dirty="0" smtClean="0"/>
+              <a:rPr lang="en-US" sz="2000" b="1" dirty="0" smtClean="0"/>
               <a:t>&lt;filter-mapping&gt;</a:t>
             </a:r>
           </a:p>
           <a:p>
             <a:pPr lvl="1"/>
             <a:r>
-              <a:rPr lang="en-US" b="1" dirty="0" smtClean="0"/>
+              <a:rPr lang="en-US" sz="2000" b="1" dirty="0" smtClean="0"/>
               <a:t>   &lt;filter-name&gt;SomeFilter&lt;/filter-name&gt;</a:t>
             </a:r>
           </a:p>
           <a:p>
             <a:pPr lvl="1"/>
             <a:r>
-              <a:rPr lang="en-US" b="1" dirty="0" smtClean="0"/>
+              <a:rPr lang="en-US" sz="2000" b="1" dirty="0" smtClean="0"/>
               <a:t>   &lt;url-pattern&gt;/someURL&lt;/url-pattern&gt;</a:t>
             </a:r>
           </a:p>
           <a:p>
             <a:pPr lvl="1"/>
             <a:r>
-              <a:rPr lang="en-US" b="1" dirty="0" smtClean="0"/>
+              <a:rPr lang="en-US" sz="2000" b="1" dirty="0" smtClean="0"/>
               <a:t>&lt;/filter-mapping&gt;</a:t>
             </a:r>
           </a:p>
@@ -9266,7 +9237,12 @@
             <p:ph type="title"/>
           </p:nvPr>
         </p:nvSpPr>
-        <p:spPr/>
+        <p:spPr>
+          <a:xfrm>
+            <a:off x="852756" y="766826"/>
+            <a:ext cx="3664816" cy="593092"/>
+          </a:xfrm>
+        </p:spPr>
         <p:txBody>
           <a:bodyPr/>
           <a:lstStyle/>
@@ -9288,7 +9264,7 @@
         <p:spPr>
           <a:xfrm>
             <a:off x="703172" y="1719840"/>
-            <a:ext cx="7725128" cy="923330"/>
+            <a:ext cx="7725128" cy="1015663"/>
           </a:xfrm>
           <a:prstGeom prst="rect">
             <a:avLst/>
@@ -9305,24 +9281,24 @@
               <a:buChar char="•"/>
             </a:pPr>
             <a:r>
-              <a:rPr lang="en-US" dirty="0"/>
+              <a:rPr lang="en-US" sz="2000" dirty="0"/>
               <a:t>Open file WorkShop </a:t>
             </a:r>
             <a:r>
-              <a:rPr lang="en-US" dirty="0" smtClean="0"/>
+              <a:rPr lang="en-US" sz="2000" dirty="0" smtClean="0"/>
               <a:t>2 </a:t>
             </a:r>
             <a:r>
-              <a:rPr lang="en-US" dirty="0"/>
+              <a:rPr lang="en-US" sz="2000" dirty="0"/>
               <a:t>- </a:t>
             </a:r>
             <a:r>
-              <a:rPr lang="en-US" dirty="0" smtClean="0"/>
+              <a:rPr lang="en-US" sz="2000" dirty="0" smtClean="0"/>
               <a:t>ServletFilters.docx</a:t>
             </a:r>
           </a:p>
           <a:p>
-            <a:endParaRPr lang="en-US" b="1" dirty="0" smtClean="0"/>
+            <a:endParaRPr lang="en-US" sz="2000" b="1" dirty="0" smtClean="0"/>
           </a:p>
           <a:p>
             <a:pPr marL="285750" indent="-285750">
@@ -9330,10 +9306,10 @@
               <a:buChar char="•"/>
             </a:pPr>
             <a:r>
-              <a:rPr lang="en-US" dirty="0" smtClean="0"/>
+              <a:rPr lang="en-US" sz="2000" dirty="0" smtClean="0"/>
               <a:t>Begin workshop </a:t>
             </a:r>
-            <a:endParaRPr lang="en-US" dirty="0"/>
+            <a:endParaRPr lang="en-US" sz="2000" dirty="0"/>
           </a:p>
         </p:txBody>
       </p:sp>
@@ -9510,13 +9486,13 @@
         </p:nvSpPr>
         <p:spPr>
           <a:xfrm>
-            <a:off x="607834" y="2064026"/>
+            <a:off x="607834" y="1868083"/>
             <a:ext cx="8107187" cy="4415797"/>
           </a:xfrm>
         </p:spPr>
         <p:txBody>
           <a:bodyPr>
-            <a:normAutofit/>
+            <a:normAutofit lnSpcReduction="10000"/>
           </a:bodyPr>
           <a:lstStyle/>
           <a:p>
@@ -9528,7 +9504,7 @@
           <a:p>
             <a:pPr lvl="1"/>
             <a:r>
-              <a:rPr lang="en-US" sz="1800" dirty="0" smtClean="0"/>
+              <a:rPr lang="en-US" sz="2000" dirty="0" smtClean="0"/>
               <a:t>It is stateless - it cannot keep the conversational state between requests received from the same user</a:t>
             </a:r>
           </a:p>
@@ -9536,50 +9512,50 @@
             <a:pPr marL="457200" lvl="1" indent="0">
               <a:buNone/>
             </a:pPr>
-            <a:endParaRPr lang="en-US" sz="1800" dirty="0" smtClean="0"/>
-          </a:p>
-          <a:p>
-            <a:r>
-              <a:rPr lang="en-US" sz="2200" b="1" dirty="0" smtClean="0"/>
+            <a:endParaRPr lang="en-US" sz="2000" dirty="0" smtClean="0"/>
+          </a:p>
+          <a:p>
+            <a:r>
+              <a:rPr lang="en-US" sz="2000" b="1" dirty="0" smtClean="0"/>
               <a:t>Fix</a:t>
             </a:r>
           </a:p>
           <a:p>
             <a:pPr lvl="1"/>
             <a:r>
-              <a:rPr lang="en-US" sz="1800" dirty="0" smtClean="0"/>
+              <a:rPr lang="en-US" sz="2000" dirty="0" smtClean="0"/>
               <a:t>The problem was solved by adding a specific attribute to our requests, </a:t>
             </a:r>
             <a:r>
-              <a:rPr lang="en-US" sz="1800" b="1" dirty="0" smtClean="0"/>
+              <a:rPr lang="en-US" sz="2000" b="1" dirty="0" smtClean="0"/>
               <a:t>JSESSIONID</a:t>
             </a:r>
           </a:p>
           <a:p>
             <a:pPr lvl="1"/>
             <a:r>
-              <a:rPr lang="en-US" sz="1800" dirty="0" smtClean="0"/>
+              <a:rPr lang="en-US" sz="2000" dirty="0" smtClean="0"/>
               <a:t>By using this JSESSIONID, the Servlet Container knows how to re-establish the conversational state of the same client between requests</a:t>
             </a:r>
           </a:p>
           <a:p>
             <a:pPr lvl="1"/>
             <a:r>
-              <a:rPr lang="en-US" sz="1800" dirty="0" smtClean="0"/>
+              <a:rPr lang="en-US" sz="2000" dirty="0" smtClean="0"/>
               <a:t>If the request does not contain the JSESSIONID, a new conversational state will be registered to the client by associating a new JSESSIONID</a:t>
             </a:r>
           </a:p>
           <a:p>
             <a:pPr lvl="1"/>
             <a:r>
-              <a:rPr lang="en-US" sz="1800" dirty="0" smtClean="0"/>
+              <a:rPr lang="en-US" sz="2000" dirty="0" smtClean="0"/>
               <a:t>This conversation state is represented in the Servlet API by the type </a:t>
             </a:r>
             <a:r>
-              <a:rPr lang="en-US" sz="1800" b="1" dirty="0" smtClean="0"/>
+              <a:rPr lang="en-US" sz="2000" b="1" dirty="0" smtClean="0"/>
               <a:t>HttpSession</a:t>
             </a:r>
-            <a:endParaRPr lang="en-US" sz="1800" dirty="0" smtClean="0"/>
+            <a:endParaRPr lang="en-US" sz="2000" dirty="0" smtClean="0"/>
           </a:p>
           <a:p>
             <a:endParaRPr lang="en-US" dirty="0"/>
@@ -10155,13 +10131,13 @@
           <a:p>
             <a:pPr lvl="2" algn="l"/>
             <a:r>
-              <a:rPr lang="en-US" sz="4000" dirty="0" err="1" smtClean="0">
+              <a:rPr lang="en-US" sz="4000" b="1" dirty="0" err="1" smtClean="0">
                 <a:hlinkClick r:id="rId2"/>
               </a:rPr>
               <a:t>getAttribute</a:t>
             </a:r>
             <a:r>
-              <a:rPr lang="en-US" sz="4000" dirty="0" smtClean="0"/>
+              <a:rPr lang="en-US" sz="4000" b="1" dirty="0" smtClean="0"/>
               <a:t>(</a:t>
             </a:r>
             <a:r>
@@ -10315,7 +10291,7 @@
           <a:p>
             <a:pPr lvl="2" algn="l"/>
             <a:r>
-              <a:rPr lang="en-US" sz="4000" b="1" dirty="0" err="1" smtClean="0">
+              <a:rPr lang="en-US" sz="4000" b="1" dirty="0" smtClean="0">
                 <a:hlinkClick r:id="rId2"/>
               </a:rPr>
               <a:t>setMaxInactiveInterval</a:t>
@@ -10556,7 +10532,7 @@
         <p:spPr>
           <a:xfrm>
             <a:off x="703172" y="1719840"/>
-            <a:ext cx="7725128" cy="923330"/>
+            <a:ext cx="7725128" cy="1015663"/>
           </a:xfrm>
           <a:prstGeom prst="rect">
             <a:avLst/>
@@ -10573,25 +10549,25 @@
               <a:buChar char="•"/>
             </a:pPr>
             <a:r>
-              <a:rPr lang="en-US" dirty="0"/>
+              <a:rPr lang="en-US" sz="2000" dirty="0"/>
               <a:t>Open file WorkShop </a:t>
             </a:r>
             <a:r>
-              <a:rPr lang="en-US" dirty="0" smtClean="0"/>
+              <a:rPr lang="en-US" sz="2000" dirty="0" smtClean="0"/>
               <a:t>3 </a:t>
             </a:r>
             <a:r>
-              <a:rPr lang="en-US" dirty="0"/>
+              <a:rPr lang="en-US" sz="2000" dirty="0"/>
               <a:t>- HttpSession.docx</a:t>
             </a:r>
-            <a:endParaRPr lang="en-US" dirty="0" smtClean="0"/>
+            <a:endParaRPr lang="en-US" sz="2000" dirty="0" smtClean="0"/>
           </a:p>
           <a:p>
             <a:pPr marL="285750" indent="-285750">
               <a:buFont typeface="Arial" panose="020B0604020202020204" pitchFamily="34" charset="0"/>
               <a:buChar char="•"/>
             </a:pPr>
-            <a:endParaRPr lang="en-US" b="1" dirty="0" smtClean="0"/>
+            <a:endParaRPr lang="en-US" sz="2000" b="1" dirty="0" smtClean="0"/>
           </a:p>
           <a:p>
             <a:pPr marL="285750" indent="-285750">
@@ -10599,10 +10575,10 @@
               <a:buChar char="•"/>
             </a:pPr>
             <a:r>
-              <a:rPr lang="en-US" dirty="0" smtClean="0"/>
+              <a:rPr lang="en-US" sz="2000" dirty="0" smtClean="0"/>
               <a:t>Begin workshop </a:t>
             </a:r>
-            <a:endParaRPr lang="en-US" dirty="0"/>
+            <a:endParaRPr lang="en-US" sz="2000" dirty="0"/>
           </a:p>
         </p:txBody>
       </p:sp>
@@ -14034,6 +14010,15 @@
 </file>
 
 <file path=customXml/item1.xml><?xml version="1.0" encoding="utf-8"?>
+<p:properties xmlns:p="http://schemas.microsoft.com/office/2006/metadata/properties" xmlns:xsi="http://www.w3.org/2001/XMLSchema-instance" xmlns:pc="http://schemas.microsoft.com/office/infopath/2007/PartnerControls">
+  <documentManagement>
+    <PublishingExpirationDate xmlns="http://schemas.microsoft.com/sharepoint/v3" xsi:nil="true"/>
+    <PublishingStartDate xmlns="http://schemas.microsoft.com/sharepoint/v3" xsi:nil="true"/>
+  </documentManagement>
+</p:properties>
+</file>
+
+<file path=customXml/item2.xml><?xml version="1.0" encoding="utf-8"?>
 <ct:contentTypeSchema xmlns:ct="http://schemas.microsoft.com/office/2006/metadata/contentType" xmlns:ma="http://schemas.microsoft.com/office/2006/metadata/properties/metaAttributes" ct:_="" ma:_="" ma:contentTypeName="Document" ma:contentTypeID="0x0101002EAB9993CCBF73478E12853278F3FB5C" ma:contentTypeVersion="1" ma:contentTypeDescription="Create a new document." ma:contentTypeScope="" ma:versionID="4db10d317033d09fed4d0297d17c663a">
   <xsd:schema xmlns:xsd="http://www.w3.org/2001/XMLSchema" xmlns:xs="http://www.w3.org/2001/XMLSchema" xmlns:p="http://schemas.microsoft.com/office/2006/metadata/properties" xmlns:ns1="http://schemas.microsoft.com/sharepoint/v3" targetNamespace="http://schemas.microsoft.com/office/2006/metadata/properties" ma:root="true" ma:fieldsID="48c5b5cd9b8d25ff6dd15848836f4270" ns1:_="">
     <xsd:import namespace="http://schemas.microsoft.com/sharepoint/v3"/>
@@ -14165,15 +14150,6 @@
 </ct:contentTypeSchema>
 </file>
 
-<file path=customXml/item2.xml><?xml version="1.0" encoding="utf-8"?>
-<p:properties xmlns:p="http://schemas.microsoft.com/office/2006/metadata/properties" xmlns:xsi="http://www.w3.org/2001/XMLSchema-instance" xmlns:pc="http://schemas.microsoft.com/office/infopath/2007/PartnerControls">
-  <documentManagement>
-    <PublishingExpirationDate xmlns="http://schemas.microsoft.com/sharepoint/v3" xsi:nil="true"/>
-    <PublishingStartDate xmlns="http://schemas.microsoft.com/sharepoint/v3" xsi:nil="true"/>
-  </documentManagement>
-</p:properties>
-</file>
-
 <file path=customXml/item3.xml><?xml version="1.0" encoding="utf-8"?>
 <?mso-contentType ?>
 <FormTemplates xmlns="http://schemas.microsoft.com/sharepoint/v3/contenttype/forms">
@@ -14184,6 +14160,22 @@
 </file>
 
 <file path=customXml/itemProps1.xml><?xml version="1.0" encoding="utf-8"?>
+<ds:datastoreItem xmlns:ds="http://schemas.openxmlformats.org/officeDocument/2006/customXml" ds:itemID="{C1424CC9-255C-4972-B5F2-6F19B32F3DEA}">
+  <ds:schemaRefs>
+    <ds:schemaRef ds:uri="http://purl.org/dc/terms/"/>
+    <ds:schemaRef ds:uri="http://schemas.microsoft.com/office/infopath/2007/PartnerControls"/>
+    <ds:schemaRef ds:uri="http://schemas.microsoft.com/sharepoint/v3"/>
+    <ds:schemaRef ds:uri="http://schemas.microsoft.com/office/2006/documentManagement/types"/>
+    <ds:schemaRef ds:uri="http://purl.org/dc/dcmitype/"/>
+    <ds:schemaRef ds:uri="http://purl.org/dc/elements/1.1/"/>
+    <ds:schemaRef ds:uri="http://www.w3.org/XML/1998/namespace"/>
+    <ds:schemaRef ds:uri="http://schemas.openxmlformats.org/package/2006/metadata/core-properties"/>
+    <ds:schemaRef ds:uri="http://schemas.microsoft.com/office/2006/metadata/properties"/>
+  </ds:schemaRefs>
+</ds:datastoreItem>
+</file>
+
+<file path=customXml/itemProps2.xml><?xml version="1.0" encoding="utf-8"?>
 <ds:datastoreItem xmlns:ds="http://schemas.openxmlformats.org/officeDocument/2006/customXml" ds:itemID="{E29AC310-E4D3-4181-8DC8-8BCBD631C9E0}">
   <ds:schemaRefs>
     <ds:schemaRef ds:uri="http://schemas.microsoft.com/office/2006/metadata/contentType"/>
@@ -14201,22 +14193,6 @@
 </ds:datastoreItem>
 </file>
 
-<file path=customXml/itemProps2.xml><?xml version="1.0" encoding="utf-8"?>
-<ds:datastoreItem xmlns:ds="http://schemas.openxmlformats.org/officeDocument/2006/customXml" ds:itemID="{C1424CC9-255C-4972-B5F2-6F19B32F3DEA}">
-  <ds:schemaRefs>
-    <ds:schemaRef ds:uri="http://purl.org/dc/terms/"/>
-    <ds:schemaRef ds:uri="http://schemas.microsoft.com/office/infopath/2007/PartnerControls"/>
-    <ds:schemaRef ds:uri="http://schemas.microsoft.com/sharepoint/v3"/>
-    <ds:schemaRef ds:uri="http://schemas.microsoft.com/office/2006/documentManagement/types"/>
-    <ds:schemaRef ds:uri="http://purl.org/dc/dcmitype/"/>
-    <ds:schemaRef ds:uri="http://purl.org/dc/elements/1.1/"/>
-    <ds:schemaRef ds:uri="http://www.w3.org/XML/1998/namespace"/>
-    <ds:schemaRef ds:uri="http://schemas.openxmlformats.org/package/2006/metadata/core-properties"/>
-    <ds:schemaRef ds:uri="http://schemas.microsoft.com/office/2006/metadata/properties"/>
-  </ds:schemaRefs>
-</ds:datastoreItem>
-</file>
-
 <file path=customXml/itemProps3.xml><?xml version="1.0" encoding="utf-8"?>
 <ds:datastoreItem xmlns:ds="http://schemas.openxmlformats.org/officeDocument/2006/customXml" ds:itemID="{B3E8851E-A513-4DE1-BFEA-60B7444A3522}">
   <ds:schemaRefs>

--- a/Servlets/Day2/Docs/Web Presentation-Part2.pptx
+++ b/Servlets/Day2/Docs/Web Presentation-Part2.pptx
@@ -6995,8 +6995,8 @@
         </p:blipFill>
         <p:spPr bwMode="auto">
           <a:xfrm>
-            <a:off x="1528762" y="2343150"/>
-            <a:ext cx="6422523" cy="2556228"/>
+            <a:off x="398723" y="2016578"/>
+            <a:ext cx="8745277" cy="3480707"/>
           </a:xfrm>
           <a:prstGeom prst="rect">
             <a:avLst/>
@@ -7750,8 +7750,8 @@
         </p:blipFill>
         <p:spPr bwMode="auto">
           <a:xfrm>
-            <a:off x="476174" y="2042431"/>
-            <a:ext cx="8193238" cy="3737883"/>
+            <a:off x="0" y="1879145"/>
+            <a:ext cx="9147675" cy="4173312"/>
           </a:xfrm>
           <a:prstGeom prst="rect">
             <a:avLst/>

--- a/Servlets/Day2/Docs/Web Presentation-Part2.pptx
+++ b/Servlets/Day2/Docs/Web Presentation-Part2.pptx
@@ -8391,25 +8391,25 @@
           <a:lstStyle/>
           <a:p>
             <a:r>
-              <a:rPr lang="en-US" dirty="0" smtClean="0"/>
+              <a:rPr lang="en-US" sz="2000" dirty="0" smtClean="0"/>
               <a:t>What are Servlet Filters?</a:t>
             </a:r>
           </a:p>
           <a:p>
             <a:pPr lvl="1"/>
-            <a:endParaRPr lang="en-US" sz="1800" dirty="0" smtClean="0"/>
+            <a:endParaRPr lang="en-US" sz="2000" dirty="0" smtClean="0"/>
           </a:p>
           <a:p>
             <a:pPr lvl="1"/>
             <a:r>
-              <a:rPr lang="en-US" sz="1800" dirty="0" smtClean="0"/>
+              <a:rPr lang="en-US" sz="2000" dirty="0" smtClean="0"/>
               <a:t>Java classes that can be used in Servlet Programming for:</a:t>
             </a:r>
           </a:p>
           <a:p>
             <a:pPr lvl="2"/>
             <a:r>
-              <a:rPr lang="en-US" sz="1800" dirty="0" smtClean="0"/>
+              <a:rPr lang="en-US" sz="2000" dirty="0" smtClean="0"/>
               <a:t>Intercepting requests from a client before they access </a:t>
             </a:r>
           </a:p>
@@ -8418,14 +8418,14 @@
               <a:buNone/>
             </a:pPr>
             <a:r>
-              <a:rPr lang="en-US" sz="1800" dirty="0" smtClean="0"/>
+              <a:rPr lang="en-US" sz="2000" dirty="0" smtClean="0"/>
               <a:t>a resource from the backend</a:t>
             </a:r>
           </a:p>
           <a:p>
             <a:pPr lvl="2"/>
             <a:r>
-              <a:rPr lang="en-US" sz="1800" dirty="0" smtClean="0"/>
+              <a:rPr lang="en-US" sz="2000" dirty="0" smtClean="0"/>
               <a:t>Manipulate responses from server before they are sent </a:t>
             </a:r>
           </a:p>
@@ -8434,7 +8434,7 @@
               <a:buNone/>
             </a:pPr>
             <a:r>
-              <a:rPr lang="en-US" sz="1800" dirty="0" smtClean="0"/>
+              <a:rPr lang="en-US" sz="2000" dirty="0" smtClean="0"/>
               <a:t>back to the client</a:t>
             </a:r>
           </a:p>
@@ -8505,7 +8505,7 @@
         </p:blipFill>
         <p:spPr bwMode="auto">
           <a:xfrm>
-            <a:off x="1921193" y="3424238"/>
+            <a:off x="2234019" y="3554866"/>
             <a:ext cx="6190844" cy="2866131"/>
           </a:xfrm>
           <a:prstGeom prst="rect">
@@ -8926,7 +8926,11 @@
             </a:r>
             <a:r>
               <a:rPr lang="en-US" sz="2000" dirty="0" smtClean="0"/>
-              <a:t> In this method if you want to continue with the other filters in the chain add at the last code line the following instrunction </a:t>
+              <a:t> In this method if you want to continue with the other filters in the chain add at the last code line the following </a:t>
+            </a:r>
+            <a:r>
+              <a:rPr lang="en-US" sz="2000" dirty="0" smtClean="0"/>
+              <a:t>instruction </a:t>
             </a:r>
             <a:r>
               <a:rPr lang="en-US" sz="2000" b="1" dirty="0"/>

--- a/Servlets/Day2/Docs/Web Presentation-Part2.pptx
+++ b/Servlets/Day2/Docs/Web Presentation-Part2.pptx
@@ -9795,178 +9795,6 @@
           <a:chExt cx="0" cy="0"/>
         </a:xfrm>
       </p:grpSpPr>
-      <p:sp>
-        <p:nvSpPr>
-          <p:cNvPr id="2" name="Title 1"/>
-          <p:cNvSpPr>
-            <a:spLocks noGrp="1"/>
-          </p:cNvSpPr>
-          <p:nvPr>
-            <p:ph type="title"/>
-          </p:nvPr>
-        </p:nvSpPr>
-        <p:spPr>
-          <a:xfrm>
-            <a:off x="999511" y="766826"/>
-            <a:ext cx="2886689" cy="593092"/>
-          </a:xfrm>
-        </p:spPr>
-        <p:txBody>
-          <a:bodyPr/>
-          <a:lstStyle/>
-          <a:p>
-            <a:r>
-              <a:rPr lang="en-US" dirty="0" smtClean="0"/>
-              <a:t>HTTP Session</a:t>
-            </a:r>
-            <a:endParaRPr lang="ro-RO" dirty="0"/>
-          </a:p>
-        </p:txBody>
-      </p:sp>
-      <p:sp>
-        <p:nvSpPr>
-          <p:cNvPr id="4" name="Rectangle 3"/>
-          <p:cNvSpPr/>
-          <p:nvPr/>
-        </p:nvSpPr>
-        <p:spPr>
-          <a:xfrm>
-            <a:off x="620889" y="1725360"/>
-            <a:ext cx="7687733" cy="2327352"/>
-          </a:xfrm>
-          <a:prstGeom prst="rect">
-            <a:avLst/>
-          </a:prstGeom>
-        </p:spPr>
-        <p:txBody>
-          <a:bodyPr wrap="square">
-            <a:spAutoFit/>
-          </a:bodyPr>
-          <a:lstStyle/>
-          <a:p>
-            <a:r>
-              <a:rPr lang="en-US" dirty="0">
-                <a:solidFill>
-                  <a:srgbClr val="565A5C"/>
-                </a:solidFill>
-                <a:latin typeface="Arial"/>
-                <a:cs typeface="Arial"/>
-              </a:rPr>
-              <a:t>The</a:t>
-            </a:r>
-            <a:r>
-              <a:rPr lang="en-US" dirty="0">
-                <a:solidFill>
-                  <a:srgbClr val="000000"/>
-                </a:solidFill>
-                <a:latin typeface="verdana" panose="020B0604030504040204" pitchFamily="34" charset="0"/>
-              </a:rPr>
-              <a:t> </a:t>
-            </a:r>
-            <a:r>
-              <a:rPr lang="en-US" dirty="0">
-                <a:solidFill>
-                  <a:srgbClr val="565A5C"/>
-                </a:solidFill>
-                <a:latin typeface="Arial"/>
-                <a:cs typeface="Arial"/>
-              </a:rPr>
-              <a:t>HttpServletRequest</a:t>
-            </a:r>
-            <a:r>
-              <a:rPr lang="en-US" dirty="0">
-                <a:solidFill>
-                  <a:srgbClr val="000000"/>
-                </a:solidFill>
-                <a:latin typeface="verdana" panose="020B0604030504040204" pitchFamily="34" charset="0"/>
-              </a:rPr>
-              <a:t> </a:t>
-            </a:r>
-            <a:r>
-              <a:rPr lang="en-US" dirty="0">
-                <a:solidFill>
-                  <a:srgbClr val="565A5C"/>
-                </a:solidFill>
-                <a:latin typeface="Arial"/>
-                <a:cs typeface="Arial"/>
-              </a:rPr>
-              <a:t>interface provides two methods to get the object of HttpSession:</a:t>
-            </a:r>
-          </a:p>
-          <a:p>
-            <a:pPr>
-              <a:buFont typeface="+mj-lt"/>
-              <a:buAutoNum type="arabicPeriod"/>
-            </a:pPr>
-            <a:r>
-              <a:rPr lang="en-US" dirty="0">
-                <a:solidFill>
-                  <a:srgbClr val="565A5C"/>
-                </a:solidFill>
-                <a:latin typeface="Arial"/>
-                <a:cs typeface="Arial"/>
-              </a:rPr>
-              <a:t> public HttpSession </a:t>
-            </a:r>
-            <a:r>
-              <a:rPr lang="en-US" b="1" dirty="0">
-                <a:solidFill>
-                  <a:srgbClr val="565A5C"/>
-                </a:solidFill>
-                <a:latin typeface="Arial"/>
-                <a:cs typeface="Arial"/>
-              </a:rPr>
-              <a:t>getSession()</a:t>
-            </a:r>
-            <a:r>
-              <a:rPr lang="en-US" dirty="0">
-                <a:solidFill>
-                  <a:srgbClr val="565A5C"/>
-                </a:solidFill>
-                <a:latin typeface="Arial"/>
-                <a:cs typeface="Arial"/>
-              </a:rPr>
-              <a:t>:Returns the current session associated with this request, or if the request does not have a session, creates one.</a:t>
-            </a:r>
-          </a:p>
-          <a:p>
-            <a:pPr>
-              <a:buFont typeface="+mj-lt"/>
-              <a:buAutoNum type="arabicPeriod"/>
-            </a:pPr>
-            <a:r>
-              <a:rPr lang="en-US" dirty="0">
-                <a:solidFill>
-                  <a:srgbClr val="565A5C"/>
-                </a:solidFill>
-                <a:latin typeface="Arial"/>
-                <a:cs typeface="Arial"/>
-              </a:rPr>
-              <a:t> public HttpSession </a:t>
-            </a:r>
-            <a:r>
-              <a:rPr lang="en-US" b="1" dirty="0">
-                <a:solidFill>
-                  <a:srgbClr val="565A5C"/>
-                </a:solidFill>
-                <a:latin typeface="Arial"/>
-                <a:cs typeface="Arial"/>
-              </a:rPr>
-              <a:t>getSession(boolean create)</a:t>
-            </a:r>
-            <a:r>
-              <a:rPr lang="en-US" dirty="0">
-                <a:solidFill>
-                  <a:srgbClr val="565A5C"/>
-                </a:solidFill>
-                <a:latin typeface="Arial"/>
-                <a:cs typeface="Arial"/>
-              </a:rPr>
-              <a:t>:Returns the current HttpSession associated with this request or, if there is no current session and create is true, returns a new session.</a:t>
-            </a:r>
-          </a:p>
-        </p:txBody>
-      </p:sp>
       <p:pic>
         <p:nvPicPr>
           <p:cNvPr id="1026" name="Picture 2" descr="HttpSession object"/>
@@ -9990,7 +9818,7 @@
         </p:blipFill>
         <p:spPr bwMode="auto">
           <a:xfrm>
-            <a:off x="2529240" y="3939822"/>
+            <a:off x="2442855" y="4035706"/>
             <a:ext cx="6282981" cy="2714009"/>
           </a:xfrm>
           <a:prstGeom prst="rect">
@@ -10008,6 +9836,218 @@
           </a:extLst>
         </p:spPr>
       </p:pic>
+      <p:sp>
+        <p:nvSpPr>
+          <p:cNvPr id="2" name="Title 1"/>
+          <p:cNvSpPr>
+            <a:spLocks noGrp="1"/>
+          </p:cNvSpPr>
+          <p:nvPr>
+            <p:ph type="title"/>
+          </p:nvPr>
+        </p:nvSpPr>
+        <p:spPr>
+          <a:xfrm>
+            <a:off x="999511" y="766826"/>
+            <a:ext cx="2886689" cy="593092"/>
+          </a:xfrm>
+        </p:spPr>
+        <p:txBody>
+          <a:bodyPr/>
+          <a:lstStyle/>
+          <a:p>
+            <a:r>
+              <a:rPr lang="en-US" dirty="0" smtClean="0"/>
+              <a:t>HTTP Session</a:t>
+            </a:r>
+            <a:endParaRPr lang="ro-RO" dirty="0"/>
+          </a:p>
+        </p:txBody>
+      </p:sp>
+      <p:sp>
+        <p:nvSpPr>
+          <p:cNvPr id="4" name="Rectangle 3"/>
+          <p:cNvSpPr/>
+          <p:nvPr/>
+        </p:nvSpPr>
+        <p:spPr>
+          <a:xfrm>
+            <a:off x="620889" y="1630385"/>
+            <a:ext cx="7687733" cy="2554545"/>
+          </a:xfrm>
+          <a:prstGeom prst="rect">
+            <a:avLst/>
+          </a:prstGeom>
+        </p:spPr>
+        <p:txBody>
+          <a:bodyPr wrap="square">
+            <a:spAutoFit/>
+          </a:bodyPr>
+          <a:lstStyle/>
+          <a:p>
+            <a:r>
+              <a:rPr lang="en-US" sz="2000" dirty="0">
+                <a:solidFill>
+                  <a:srgbClr val="565A5C"/>
+                </a:solidFill>
+                <a:latin typeface="Arial"/>
+                <a:cs typeface="Arial"/>
+              </a:rPr>
+              <a:t>The</a:t>
+            </a:r>
+            <a:r>
+              <a:rPr lang="en-US" sz="2000" dirty="0">
+                <a:solidFill>
+                  <a:srgbClr val="000000"/>
+                </a:solidFill>
+                <a:latin typeface="verdana" panose="020B0604030504040204" pitchFamily="34" charset="0"/>
+              </a:rPr>
+              <a:t> </a:t>
+            </a:r>
+            <a:r>
+              <a:rPr lang="en-US" sz="2000" b="1" dirty="0">
+                <a:solidFill>
+                  <a:srgbClr val="565A5C"/>
+                </a:solidFill>
+                <a:latin typeface="Arial"/>
+                <a:cs typeface="Arial"/>
+              </a:rPr>
+              <a:t>HttpServletRequest</a:t>
+            </a:r>
+            <a:r>
+              <a:rPr lang="en-US" sz="2000" dirty="0">
+                <a:solidFill>
+                  <a:srgbClr val="000000"/>
+                </a:solidFill>
+                <a:latin typeface="verdana" panose="020B0604030504040204" pitchFamily="34" charset="0"/>
+              </a:rPr>
+              <a:t> </a:t>
+            </a:r>
+            <a:r>
+              <a:rPr lang="en-US" sz="2000" dirty="0">
+                <a:solidFill>
+                  <a:srgbClr val="565A5C"/>
+                </a:solidFill>
+                <a:latin typeface="Arial"/>
+                <a:cs typeface="Arial"/>
+              </a:rPr>
+              <a:t>interface provides two methods to get the object of HttpSession:</a:t>
+            </a:r>
+          </a:p>
+          <a:p>
+            <a:pPr>
+              <a:buFont typeface="+mj-lt"/>
+              <a:buAutoNum type="arabicPeriod"/>
+            </a:pPr>
+            <a:r>
+              <a:rPr lang="en-US" sz="2000" dirty="0">
+                <a:solidFill>
+                  <a:srgbClr val="565A5C"/>
+                </a:solidFill>
+                <a:latin typeface="Arial"/>
+                <a:cs typeface="Arial"/>
+              </a:rPr>
+              <a:t> public HttpSession </a:t>
+            </a:r>
+            <a:r>
+              <a:rPr lang="en-US" sz="2000" b="1" dirty="0">
+                <a:solidFill>
+                  <a:srgbClr val="565A5C"/>
+                </a:solidFill>
+                <a:latin typeface="Arial"/>
+                <a:cs typeface="Arial"/>
+              </a:rPr>
+              <a:t>getSession</a:t>
+            </a:r>
+            <a:r>
+              <a:rPr lang="en-US" sz="2000" b="1" dirty="0" smtClean="0">
+                <a:solidFill>
+                  <a:srgbClr val="565A5C"/>
+                </a:solidFill>
+                <a:latin typeface="Arial"/>
+                <a:cs typeface="Arial"/>
+              </a:rPr>
+              <a:t>()</a:t>
+            </a:r>
+            <a:r>
+              <a:rPr lang="en-US" sz="2000" dirty="0" smtClean="0">
+                <a:solidFill>
+                  <a:srgbClr val="565A5C"/>
+                </a:solidFill>
+                <a:latin typeface="Arial"/>
+                <a:cs typeface="Arial"/>
+              </a:rPr>
+              <a:t>: Returns </a:t>
+            </a:r>
+            <a:r>
+              <a:rPr lang="en-US" sz="2000" dirty="0">
+                <a:solidFill>
+                  <a:srgbClr val="565A5C"/>
+                </a:solidFill>
+                <a:latin typeface="Arial"/>
+                <a:cs typeface="Arial"/>
+              </a:rPr>
+              <a:t>the current session associated with this request, or if the request does not have a session, creates one.</a:t>
+            </a:r>
+          </a:p>
+          <a:p>
+            <a:pPr>
+              <a:buFont typeface="+mj-lt"/>
+              <a:buAutoNum type="arabicPeriod"/>
+            </a:pPr>
+            <a:r>
+              <a:rPr lang="en-US" sz="2000" dirty="0">
+                <a:solidFill>
+                  <a:srgbClr val="565A5C"/>
+                </a:solidFill>
+                <a:latin typeface="Arial"/>
+                <a:cs typeface="Arial"/>
+              </a:rPr>
+              <a:t> public HttpSession </a:t>
+            </a:r>
+            <a:r>
+              <a:rPr lang="en-US" sz="2000" b="1" dirty="0">
+                <a:solidFill>
+                  <a:srgbClr val="565A5C"/>
+                </a:solidFill>
+                <a:latin typeface="Arial"/>
+                <a:cs typeface="Arial"/>
+              </a:rPr>
+              <a:t>getSession(boolean create</a:t>
+            </a:r>
+            <a:r>
+              <a:rPr lang="en-US" sz="2000" b="1" dirty="0" smtClean="0">
+                <a:solidFill>
+                  <a:srgbClr val="565A5C"/>
+                </a:solidFill>
+                <a:latin typeface="Arial"/>
+                <a:cs typeface="Arial"/>
+              </a:rPr>
+              <a:t>)</a:t>
+            </a:r>
+            <a:r>
+              <a:rPr lang="en-US" sz="2000" dirty="0" smtClean="0">
+                <a:solidFill>
+                  <a:srgbClr val="565A5C"/>
+                </a:solidFill>
+                <a:latin typeface="Arial"/>
+                <a:cs typeface="Arial"/>
+              </a:rPr>
+              <a:t>: Returns </a:t>
+            </a:r>
+            <a:r>
+              <a:rPr lang="en-US" sz="2000" dirty="0">
+                <a:solidFill>
+                  <a:srgbClr val="565A5C"/>
+                </a:solidFill>
+                <a:latin typeface="Arial"/>
+                <a:cs typeface="Arial"/>
+              </a:rPr>
+              <a:t>the current HttpSession associated with this request or, if there is no current session and create is true, returns a new session.</a:t>
+            </a:r>
+          </a:p>
+        </p:txBody>
+      </p:sp>
     </p:spTree>
     <p:extLst>
       <p:ext uri="{BB962C8B-B14F-4D97-AF65-F5344CB8AC3E}">
@@ -10085,313 +10125,245 @@
         </p:nvSpPr>
         <p:spPr>
           <a:xfrm>
-            <a:off x="720724" y="1504420"/>
-            <a:ext cx="8062031" cy="5222952"/>
+            <a:off x="720724" y="1359918"/>
+            <a:ext cx="8062031" cy="5016346"/>
           </a:xfrm>
         </p:spPr>
         <p:txBody>
           <a:bodyPr>
-            <a:normAutofit fontScale="40000" lnSpcReduction="20000"/>
+            <a:normAutofit fontScale="32500" lnSpcReduction="20000"/>
           </a:bodyPr>
           <a:lstStyle/>
           <a:p>
             <a:pPr algn="l"/>
-            <a:endParaRPr lang="en-US" dirty="0" smtClean="0"/>
+            <a:r>
+              <a:rPr lang="en-US" sz="6200" dirty="0" smtClean="0"/>
+              <a:t>HttpSession </a:t>
+            </a:r>
+            <a:r>
+              <a:rPr lang="en-US" sz="6200" dirty="0" smtClean="0"/>
+              <a:t>most important methods are</a:t>
+            </a:r>
+            <a:r>
+              <a:rPr lang="en-US" sz="6200" dirty="0" smtClean="0"/>
+              <a:t>:</a:t>
+            </a:r>
           </a:p>
           <a:p>
             <a:pPr algn="l"/>
-            <a:endParaRPr lang="en-US" dirty="0" smtClean="0"/>
+            <a:endParaRPr lang="en-US" sz="6200" dirty="0" smtClean="0"/>
+          </a:p>
+          <a:p>
+            <a:pPr lvl="2" algn="l"/>
+            <a:r>
+              <a:rPr lang="en-US" sz="4900" b="1" dirty="0" err="1" smtClean="0">
+                <a:hlinkClick r:id="rId2"/>
+              </a:rPr>
+              <a:t>getAttribute</a:t>
+            </a:r>
+            <a:r>
+              <a:rPr lang="en-US" sz="4900" b="1" dirty="0" smtClean="0"/>
+              <a:t>(</a:t>
+            </a:r>
+            <a:r>
+              <a:rPr lang="en-US" sz="4900" dirty="0" smtClean="0">
+                <a:hlinkClick r:id="rId3" tooltip="class or interface in java.lang"/>
+              </a:rPr>
+              <a:t>String</a:t>
+            </a:r>
+            <a:r>
+              <a:rPr lang="en-US" sz="4900" dirty="0" smtClean="0"/>
+              <a:t> name) </a:t>
+            </a:r>
+            <a:br>
+              <a:rPr lang="en-US" sz="4900" dirty="0" smtClean="0"/>
+            </a:br>
+            <a:r>
+              <a:rPr lang="en-US" sz="4900" dirty="0" smtClean="0"/>
+              <a:t>          Returns the object bound with the specified name in this session, or null if no object is bound under the name.</a:t>
+            </a:r>
+          </a:p>
+          <a:p>
+            <a:pPr lvl="2" algn="l"/>
+            <a:r>
+              <a:rPr lang="en-US" sz="4900" b="1" dirty="0" err="1" smtClean="0">
+                <a:hlinkClick r:id="rId2"/>
+              </a:rPr>
+              <a:t>setAttribute</a:t>
+            </a:r>
+            <a:r>
+              <a:rPr lang="en-US" sz="4900" dirty="0" smtClean="0"/>
+              <a:t>(</a:t>
+            </a:r>
+            <a:r>
+              <a:rPr lang="en-US" sz="4900" dirty="0" smtClean="0">
+                <a:hlinkClick r:id="rId3" tooltip="class or interface in java.lang"/>
+              </a:rPr>
+              <a:t>String</a:t>
+            </a:r>
+            <a:r>
+              <a:rPr lang="en-US" sz="4900" dirty="0" smtClean="0"/>
+              <a:t> name, </a:t>
+            </a:r>
+            <a:r>
+              <a:rPr lang="en-US" sz="4900" dirty="0" smtClean="0">
+                <a:hlinkClick r:id="rId4" tooltip="class or interface in java.lang"/>
+              </a:rPr>
+              <a:t>Object</a:t>
+            </a:r>
+            <a:r>
+              <a:rPr lang="en-US" sz="4900" dirty="0" smtClean="0"/>
+              <a:t> value) </a:t>
+            </a:r>
+            <a:br>
+              <a:rPr lang="en-US" sz="4900" dirty="0" smtClean="0"/>
+            </a:br>
+            <a:r>
+              <a:rPr lang="en-US" sz="4900" dirty="0" smtClean="0"/>
+              <a:t>          Binds an object to this session, using the name specified.</a:t>
+            </a:r>
+          </a:p>
+          <a:p>
+            <a:pPr lvl="2" algn="l"/>
+            <a:r>
+              <a:rPr lang="en-US" sz="4900" b="1" dirty="0" err="1" smtClean="0">
+                <a:hlinkClick r:id="rId2"/>
+              </a:rPr>
+              <a:t>getAttributeNames</a:t>
+            </a:r>
+            <a:r>
+              <a:rPr lang="en-US" sz="4900" dirty="0" smtClean="0"/>
+              <a:t>() </a:t>
+            </a:r>
+            <a:br>
+              <a:rPr lang="en-US" sz="4900" dirty="0" smtClean="0"/>
+            </a:br>
+            <a:r>
+              <a:rPr lang="en-US" sz="4900" dirty="0" smtClean="0"/>
+              <a:t>          Returns an Enumeration of String objects containing the names of all the objects bound to this session.</a:t>
+            </a:r>
+          </a:p>
+          <a:p>
+            <a:pPr lvl="2" algn="l"/>
+            <a:r>
+              <a:rPr lang="en-US" sz="4900" b="1" dirty="0" err="1" smtClean="0">
+                <a:hlinkClick r:id="rId2"/>
+              </a:rPr>
+              <a:t>getId</a:t>
+            </a:r>
+            <a:r>
+              <a:rPr lang="en-US" sz="4900" dirty="0" smtClean="0"/>
+              <a:t>() </a:t>
+            </a:r>
+            <a:br>
+              <a:rPr lang="en-US" sz="4900" dirty="0" smtClean="0"/>
+            </a:br>
+            <a:r>
+              <a:rPr lang="en-US" sz="4900" dirty="0" smtClean="0"/>
+              <a:t>          Returns a string containing the unique identifier assigned to this session.</a:t>
+            </a:r>
+          </a:p>
+          <a:p>
+            <a:pPr lvl="2" algn="l"/>
+            <a:r>
+              <a:rPr lang="en-US" sz="4900" b="1" dirty="0" smtClean="0">
+                <a:hlinkClick r:id="rId2"/>
+              </a:rPr>
+              <a:t>invalidate</a:t>
+            </a:r>
+            <a:r>
+              <a:rPr lang="en-US" sz="4900" dirty="0" smtClean="0"/>
+              <a:t>() </a:t>
+            </a:r>
+            <a:br>
+              <a:rPr lang="en-US" sz="4900" dirty="0" smtClean="0"/>
+            </a:br>
+            <a:r>
+              <a:rPr lang="en-US" sz="4900" dirty="0" smtClean="0"/>
+              <a:t>          Invalidates this session then unbinds any objects bound to it.</a:t>
+            </a:r>
+          </a:p>
+          <a:p>
+            <a:pPr lvl="2" algn="l"/>
+            <a:r>
+              <a:rPr lang="en-US" sz="4900" b="1" dirty="0" err="1" smtClean="0">
+                <a:hlinkClick r:id="rId2"/>
+              </a:rPr>
+              <a:t>removeAttribute</a:t>
+            </a:r>
+            <a:r>
+              <a:rPr lang="en-US" sz="4900" dirty="0" smtClean="0"/>
+              <a:t>(</a:t>
+            </a:r>
+            <a:r>
+              <a:rPr lang="en-US" sz="4900" dirty="0" smtClean="0">
+                <a:hlinkClick r:id="rId3" tooltip="class or interface in java.lang"/>
+              </a:rPr>
+              <a:t>String</a:t>
+            </a:r>
+            <a:r>
+              <a:rPr lang="en-US" sz="4900" dirty="0" smtClean="0"/>
+              <a:t> name) </a:t>
+            </a:r>
+            <a:br>
+              <a:rPr lang="en-US" sz="4900" dirty="0" smtClean="0"/>
+            </a:br>
+            <a:r>
+              <a:rPr lang="en-US" sz="4900" dirty="0" smtClean="0"/>
+              <a:t>          Removes the object bound with the specified name from this session.</a:t>
+            </a:r>
+          </a:p>
+          <a:p>
+            <a:pPr lvl="2" algn="l"/>
+            <a:r>
+              <a:rPr lang="en-US" sz="4900" b="1" dirty="0" smtClean="0">
+                <a:hlinkClick r:id="rId2"/>
+              </a:rPr>
+              <a:t>setMaxInactiveInterval</a:t>
+            </a:r>
+            <a:r>
+              <a:rPr lang="en-US" sz="4900" dirty="0" smtClean="0"/>
+              <a:t>(</a:t>
+            </a:r>
+            <a:r>
+              <a:rPr lang="en-US" sz="4900" dirty="0" err="1" smtClean="0"/>
+              <a:t>int</a:t>
+            </a:r>
+            <a:r>
+              <a:rPr lang="en-US" sz="4900" dirty="0" smtClean="0"/>
+              <a:t> interval) </a:t>
+            </a:r>
+            <a:br>
+              <a:rPr lang="en-US" sz="4900" dirty="0" smtClean="0"/>
+            </a:br>
+            <a:r>
+              <a:rPr lang="en-US" sz="4900" dirty="0" smtClean="0"/>
+              <a:t>          Specifies the time, in seconds, between client requests before the servlet container will invalidate this session.</a:t>
+            </a:r>
+          </a:p>
+          <a:p>
+            <a:pPr lvl="2" algn="l"/>
+            <a:endParaRPr lang="en-US" sz="4900" dirty="0" smtClean="0"/>
           </a:p>
           <a:p>
             <a:pPr algn="l"/>
-            <a:endParaRPr lang="en-US" dirty="0" smtClean="0"/>
-          </a:p>
-          <a:p>
-            <a:pPr algn="l"/>
-            <a:endParaRPr lang="en-US" dirty="0" smtClean="0"/>
-          </a:p>
-          <a:p>
-            <a:pPr algn="l"/>
-            <a:endParaRPr lang="en-US" dirty="0" smtClean="0"/>
-          </a:p>
-          <a:p>
-            <a:pPr algn="l"/>
-            <a:r>
-              <a:rPr lang="en-US" sz="4000" dirty="0" smtClean="0"/>
-              <a:t>HttpSession object could be retrieved from the current HttpServletRequest object</a:t>
-            </a:r>
-          </a:p>
-          <a:p>
-            <a:pPr algn="l"/>
-            <a:endParaRPr lang="en-US" sz="4000" dirty="0" smtClean="0"/>
-          </a:p>
-          <a:p>
-            <a:pPr algn="l"/>
-            <a:r>
-              <a:rPr lang="en-US" sz="4000" dirty="0" smtClean="0"/>
-              <a:t>HttpSession most important methods are:</a:t>
-            </a:r>
-          </a:p>
-          <a:p>
-            <a:pPr lvl="2" algn="l"/>
-            <a:r>
-              <a:rPr lang="en-US" sz="4000" b="1" dirty="0" err="1" smtClean="0">
-                <a:hlinkClick r:id="rId2"/>
-              </a:rPr>
-              <a:t>getAttribute</a:t>
-            </a:r>
-            <a:r>
-              <a:rPr lang="en-US" sz="4000" b="1" dirty="0" smtClean="0"/>
-              <a:t>(</a:t>
-            </a:r>
-            <a:r>
-              <a:rPr lang="en-US" sz="4000" dirty="0" smtClean="0">
-                <a:hlinkClick r:id="rId3" tooltip="class or interface in java.lang"/>
-              </a:rPr>
-              <a:t>String</a:t>
-            </a:r>
-            <a:r>
-              <a:rPr lang="en-US" sz="4000" dirty="0" smtClean="0"/>
-              <a:t> name) </a:t>
-            </a:r>
-            <a:br>
-              <a:rPr lang="en-US" sz="4000" dirty="0" smtClean="0"/>
-            </a:br>
-            <a:r>
-              <a:rPr lang="en-US" sz="4000" dirty="0" smtClean="0"/>
-              <a:t>          Returns the object bound with the specified name in this session, or null if no object is bound under the name.</a:t>
-            </a:r>
-          </a:p>
-          <a:p>
-            <a:pPr lvl="2" algn="l"/>
-            <a:r>
-              <a:rPr lang="en-US" sz="4000" b="1" dirty="0" err="1" smtClean="0">
-                <a:hlinkClick r:id="rId2"/>
-              </a:rPr>
-              <a:t>setAttribute</a:t>
-            </a:r>
-            <a:r>
-              <a:rPr lang="en-US" sz="4000" dirty="0" smtClean="0"/>
-              <a:t>(</a:t>
-            </a:r>
-            <a:r>
-              <a:rPr lang="en-US" sz="4000" dirty="0" smtClean="0">
-                <a:hlinkClick r:id="rId3" tooltip="class or interface in java.lang"/>
-              </a:rPr>
-              <a:t>String</a:t>
-            </a:r>
-            <a:r>
-              <a:rPr lang="en-US" sz="4000" dirty="0" smtClean="0"/>
-              <a:t> name, </a:t>
-            </a:r>
-            <a:r>
-              <a:rPr lang="en-US" sz="4000" dirty="0" smtClean="0">
-                <a:hlinkClick r:id="rId4" tooltip="class or interface in java.lang"/>
-              </a:rPr>
-              <a:t>Object</a:t>
-            </a:r>
-            <a:r>
-              <a:rPr lang="en-US" sz="4000" dirty="0" smtClean="0"/>
-              <a:t> value) </a:t>
-            </a:r>
-            <a:br>
-              <a:rPr lang="en-US" sz="4000" dirty="0" smtClean="0"/>
-            </a:br>
-            <a:r>
-              <a:rPr lang="en-US" sz="4000" dirty="0" smtClean="0"/>
-              <a:t>          Binds an object to this session, using the name specified.</a:t>
-            </a:r>
-          </a:p>
-          <a:p>
-            <a:pPr lvl="2" algn="l"/>
-            <a:r>
-              <a:rPr lang="en-US" sz="4000" b="1" dirty="0" err="1" smtClean="0">
-                <a:hlinkClick r:id="rId2"/>
-              </a:rPr>
-              <a:t>getAttributeNames</a:t>
-            </a:r>
-            <a:r>
-              <a:rPr lang="en-US" sz="4000" dirty="0" smtClean="0"/>
-              <a:t>() </a:t>
-            </a:r>
-            <a:br>
-              <a:rPr lang="en-US" sz="4000" dirty="0" smtClean="0"/>
-            </a:br>
-            <a:r>
-              <a:rPr lang="en-US" sz="4000" dirty="0" smtClean="0"/>
-              <a:t>          Returns an Enumeration of String objects containing the names of all the objects bound to this session.</a:t>
-            </a:r>
-          </a:p>
-          <a:p>
-            <a:pPr lvl="2" algn="l"/>
-            <a:r>
-              <a:rPr lang="en-US" sz="4000" b="1" dirty="0" err="1" smtClean="0">
-                <a:hlinkClick r:id="rId2"/>
-              </a:rPr>
-              <a:t>getId</a:t>
-            </a:r>
-            <a:r>
-              <a:rPr lang="en-US" sz="4000" dirty="0" smtClean="0"/>
-              <a:t>() </a:t>
-            </a:r>
-            <a:br>
-              <a:rPr lang="en-US" sz="4000" dirty="0" smtClean="0"/>
-            </a:br>
-            <a:r>
-              <a:rPr lang="en-US" sz="4000" dirty="0" smtClean="0"/>
-              <a:t>          Returns a string containing the unique identifier assigned to this session.</a:t>
-            </a:r>
-          </a:p>
-          <a:p>
-            <a:pPr lvl="2" algn="l"/>
-            <a:r>
-              <a:rPr lang="en-US" sz="4000" b="1" dirty="0" smtClean="0">
-                <a:hlinkClick r:id="rId2"/>
-              </a:rPr>
-              <a:t>invalidate</a:t>
-            </a:r>
-            <a:r>
-              <a:rPr lang="en-US" sz="4000" dirty="0" smtClean="0"/>
-              <a:t>() </a:t>
-            </a:r>
-            <a:br>
-              <a:rPr lang="en-US" sz="4000" dirty="0" smtClean="0"/>
-            </a:br>
-            <a:r>
-              <a:rPr lang="en-US" sz="4000" dirty="0" smtClean="0"/>
-              <a:t>          Invalidates this session then unbinds any objects bound to it.</a:t>
-            </a:r>
-          </a:p>
-          <a:p>
-            <a:pPr lvl="2" algn="l"/>
-            <a:r>
-              <a:rPr lang="en-US" sz="4000" b="1" dirty="0" err="1" smtClean="0">
-                <a:hlinkClick r:id="rId2"/>
-              </a:rPr>
-              <a:t>removeAttribute</a:t>
-            </a:r>
-            <a:r>
-              <a:rPr lang="en-US" sz="4000" dirty="0" smtClean="0"/>
-              <a:t>(</a:t>
-            </a:r>
-            <a:r>
-              <a:rPr lang="en-US" sz="4000" dirty="0" smtClean="0">
-                <a:hlinkClick r:id="rId3" tooltip="class or interface in java.lang"/>
-              </a:rPr>
-              <a:t>String</a:t>
-            </a:r>
-            <a:r>
-              <a:rPr lang="en-US" sz="4000" dirty="0" smtClean="0"/>
-              <a:t> name) </a:t>
-            </a:r>
-            <a:br>
-              <a:rPr lang="en-US" sz="4000" dirty="0" smtClean="0"/>
-            </a:br>
-            <a:r>
-              <a:rPr lang="en-US" sz="4000" dirty="0" smtClean="0"/>
-              <a:t>          Removes the object bound with the specified name from this session.</a:t>
-            </a:r>
-          </a:p>
-          <a:p>
-            <a:pPr lvl="2" algn="l"/>
-            <a:r>
-              <a:rPr lang="en-US" sz="4000" b="1" dirty="0" smtClean="0">
-                <a:hlinkClick r:id="rId2"/>
-              </a:rPr>
-              <a:t>setMaxInactiveInterval</a:t>
-            </a:r>
-            <a:r>
-              <a:rPr lang="en-US" sz="4000" dirty="0" smtClean="0"/>
-              <a:t>(</a:t>
-            </a:r>
-            <a:r>
-              <a:rPr lang="en-US" sz="4000" dirty="0" err="1" smtClean="0"/>
-              <a:t>int</a:t>
-            </a:r>
-            <a:r>
-              <a:rPr lang="en-US" sz="4000" dirty="0" smtClean="0"/>
-              <a:t> interval) </a:t>
-            </a:r>
-            <a:br>
-              <a:rPr lang="en-US" sz="4000" dirty="0" smtClean="0"/>
-            </a:br>
-            <a:r>
-              <a:rPr lang="en-US" sz="4000" dirty="0" smtClean="0"/>
-              <a:t>          Specifies the time, in seconds, between client requests before the servlet container will invalidate this session.</a:t>
-            </a:r>
-          </a:p>
-          <a:p>
-            <a:pPr lvl="2" algn="l"/>
-            <a:endParaRPr lang="en-US" sz="4000" dirty="0" smtClean="0"/>
-          </a:p>
-          <a:p>
-            <a:pPr algn="l"/>
-            <a:r>
-              <a:rPr lang="en-US" sz="4000" dirty="0" smtClean="0"/>
+            <a:r>
+              <a:rPr lang="en-US" sz="5500" dirty="0" smtClean="0"/>
               <a:t>In our </a:t>
             </a:r>
             <a:r>
-              <a:rPr lang="en-US" sz="4000" b="1" dirty="0" smtClean="0"/>
+              <a:rPr lang="en-US" sz="5500" b="1" dirty="0" smtClean="0"/>
               <a:t>web.xml</a:t>
             </a:r>
             <a:r>
-              <a:rPr lang="en-US" sz="4000" dirty="0" smtClean="0"/>
-              <a:t> deployment descriptor file we can set the timeout of all http sessions</a:t>
-            </a:r>
-          </a:p>
-          <a:p>
-            <a:pPr lvl="2" algn="l"/>
-            <a:endParaRPr lang="en-US" dirty="0" smtClean="0"/>
-          </a:p>
-          <a:p>
-            <a:pPr lvl="1"/>
-            <a:endParaRPr lang="en-US" b="1" dirty="0" smtClean="0"/>
-          </a:p>
-          <a:p>
-            <a:pPr lvl="1"/>
-            <a:endParaRPr lang="en-US" b="1" dirty="0" smtClean="0"/>
-          </a:p>
-          <a:p>
-            <a:pPr lvl="1"/>
-            <a:endParaRPr lang="en-US" b="1" dirty="0" smtClean="0"/>
-          </a:p>
-          <a:p>
-            <a:pPr lvl="1"/>
-            <a:endParaRPr lang="en-US" b="1" dirty="0" smtClean="0"/>
-          </a:p>
-          <a:p>
-            <a:pPr lvl="1"/>
-            <a:endParaRPr lang="en-US" b="1" dirty="0" smtClean="0"/>
-          </a:p>
-          <a:p>
-            <a:pPr lvl="1"/>
-            <a:endParaRPr lang="en-US" b="1" dirty="0" smtClean="0"/>
-          </a:p>
-          <a:p>
-            <a:pPr lvl="1"/>
-            <a:endParaRPr lang="en-US" b="1" dirty="0" smtClean="0"/>
-          </a:p>
-          <a:p>
-            <a:pPr lvl="1"/>
-            <a:endParaRPr lang="en-US" b="1" dirty="0" smtClean="0"/>
-          </a:p>
-          <a:p>
-            <a:pPr lvl="1"/>
-            <a:endParaRPr lang="en-US" b="1" dirty="0" smtClean="0"/>
-          </a:p>
-          <a:p>
-            <a:pPr lvl="1"/>
-            <a:endParaRPr lang="en-US" b="1" dirty="0" smtClean="0"/>
-          </a:p>
-          <a:p>
-            <a:pPr lvl="1"/>
-            <a:endParaRPr lang="en-US" dirty="0" smtClean="0"/>
-          </a:p>
-          <a:p>
-            <a:endParaRPr lang="en-US" dirty="0"/>
-          </a:p>
-          <a:p>
-            <a:endParaRPr lang="ro-RO" dirty="0"/>
+              <a:rPr lang="en-US" sz="5500" dirty="0" smtClean="0"/>
+              <a:t> deployment descriptor file we can set the timeout of all http </a:t>
+            </a:r>
+            <a:r>
+              <a:rPr lang="en-US" sz="5500" dirty="0" smtClean="0"/>
+              <a:t>sessions</a:t>
+            </a:r>
+            <a:endParaRPr lang="ro-RO" sz="5500" dirty="0"/>
           </a:p>
         </p:txBody>
       </p:sp>

--- a/Servlets/Day2/Docs/Web Presentation-Part2.pptx
+++ b/Servlets/Day2/Docs/Web Presentation-Part2.pptx
@@ -833,7 +833,123 @@
           <a:bodyPr/>
           <a:lstStyle/>
           <a:p>
-            <a:endParaRPr lang="ro-RO" dirty="0"/>
+            <a:pPr marL="0" marR="0" lvl="0" indent="0" algn="l" defTabSz="914400" rtl="0" eaLnBrk="1" fontAlgn="auto" latinLnBrk="0" hangingPunct="1">
+              <a:lnSpc>
+                <a:spcPct val="100000"/>
+              </a:lnSpc>
+              <a:spcBef>
+                <a:spcPts val="0"/>
+              </a:spcBef>
+              <a:spcAft>
+                <a:spcPts val="0"/>
+              </a:spcAft>
+              <a:buClrTx/>
+              <a:buSzTx/>
+              <a:buFontTx/>
+              <a:buNone/>
+              <a:tabLst/>
+              <a:defRPr/>
+            </a:pPr>
+            <a:r>
+              <a:rPr lang="en-US" dirty="0" smtClean="0"/>
+              <a:t>public interface </a:t>
+            </a:r>
+            <a:r>
+              <a:rPr lang="en-US" b="1" dirty="0" err="1" smtClean="0"/>
+              <a:t>RequestDispatcher</a:t>
+            </a:r>
+            <a:r>
+              <a:rPr lang="en-US" dirty="0" smtClean="0"/>
+              <a:t> </a:t>
+            </a:r>
+          </a:p>
+          <a:p>
+            <a:pPr marL="0" marR="0" lvl="0" indent="0" algn="l" defTabSz="914400" rtl="0" eaLnBrk="1" fontAlgn="auto" latinLnBrk="0" hangingPunct="1">
+              <a:lnSpc>
+                <a:spcPct val="100000"/>
+              </a:lnSpc>
+              <a:spcBef>
+                <a:spcPts val="0"/>
+              </a:spcBef>
+              <a:spcAft>
+                <a:spcPts val="0"/>
+              </a:spcAft>
+              <a:buClrTx/>
+              <a:buSzTx/>
+              <a:buFontTx/>
+              <a:buNone/>
+              <a:tabLst/>
+              <a:defRPr/>
+            </a:pPr>
+            <a:r>
+              <a:rPr lang="en-US" dirty="0" smtClean="0"/>
+              <a:t>Defines an object that receives requests from the client and sends them to any resource (such as a servlet, HTML file, or JSP file) on the server. </a:t>
+            </a:r>
+          </a:p>
+          <a:p>
+            <a:pPr marL="0" marR="0" lvl="0" indent="0" algn="l" defTabSz="914400" rtl="0" eaLnBrk="1" fontAlgn="auto" latinLnBrk="0" hangingPunct="1">
+              <a:lnSpc>
+                <a:spcPct val="100000"/>
+              </a:lnSpc>
+              <a:spcBef>
+                <a:spcPts val="0"/>
+              </a:spcBef>
+              <a:spcAft>
+                <a:spcPts val="0"/>
+              </a:spcAft>
+              <a:buClrTx/>
+              <a:buSzTx/>
+              <a:buFontTx/>
+              <a:buNone/>
+              <a:tabLst/>
+              <a:defRPr/>
+            </a:pPr>
+            <a:r>
+              <a:rPr lang="en-US" dirty="0" smtClean="0"/>
+              <a:t>The servlet container creates the </a:t>
+            </a:r>
+            <a:r>
+              <a:rPr lang="en-US" b="1" dirty="0" err="1" smtClean="0"/>
+              <a:t>RequestDispatcher</a:t>
+            </a:r>
+            <a:r>
+              <a:rPr lang="en-US" dirty="0" smtClean="0"/>
+              <a:t> object, which is used as a wrapper around a server resource located at a particular path or given by a particular name. </a:t>
+            </a:r>
+          </a:p>
+          <a:p>
+            <a:pPr marL="0" marR="0" lvl="0" indent="0" algn="l" defTabSz="914400" rtl="0" eaLnBrk="1" fontAlgn="auto" latinLnBrk="0" hangingPunct="1">
+              <a:lnSpc>
+                <a:spcPct val="100000"/>
+              </a:lnSpc>
+              <a:spcBef>
+                <a:spcPts val="0"/>
+              </a:spcBef>
+              <a:spcAft>
+                <a:spcPts val="0"/>
+              </a:spcAft>
+              <a:buClrTx/>
+              <a:buSzTx/>
+              <a:buFontTx/>
+              <a:buNone/>
+              <a:tabLst/>
+              <a:defRPr/>
+            </a:pPr>
+            <a:r>
+              <a:rPr lang="en-US" dirty="0" smtClean="0"/>
+              <a:t>This interface is intended to wrap servlets, but a servlet container can create </a:t>
+            </a:r>
+            <a:r>
+              <a:rPr lang="en-US" b="1" dirty="0" err="1" smtClean="0"/>
+              <a:t>RequestDispatcher</a:t>
+            </a:r>
+            <a:r>
+              <a:rPr lang="en-US" dirty="0" smtClean="0"/>
+              <a:t> objects to wrap any type of resource.</a:t>
+            </a:r>
+          </a:p>
+          <a:p>
+            <a:endParaRPr lang="en-US" dirty="0"/>
           </a:p>
         </p:txBody>
       </p:sp>
@@ -855,7 +971,7 @@
             <a:fld id="{84377D70-F193-4353-836F-31B604DF4B77}" type="slidenum">
               <a:rPr lang="en-US" smtClean="0"/>
               <a:pPr/>
-              <a:t>18</a:t>
+              <a:t>13</a:t>
             </a:fld>
             <a:endParaRPr lang="en-US"/>
           </a:p>
@@ -864,7 +980,7 @@
     </p:spTree>
     <p:extLst>
       <p:ext uri="{BB962C8B-B14F-4D97-AF65-F5344CB8AC3E}">
-        <p14:creationId xmlns:p14="http://schemas.microsoft.com/office/powerpoint/2010/main" val="1603487357"/>
+        <p14:creationId xmlns:p14="http://schemas.microsoft.com/office/powerpoint/2010/main" val="95907830"/>
       </p:ext>
     </p:extLst>
   </p:cSld>
@@ -918,7 +1034,7 @@
           <a:bodyPr/>
           <a:lstStyle/>
           <a:p>
-            <a:endParaRPr lang="ro-RO"/>
+            <a:endParaRPr lang="ro-RO" dirty="0"/>
           </a:p>
         </p:txBody>
       </p:sp>
@@ -940,7 +1056,7 @@
             <a:fld id="{84377D70-F193-4353-836F-31B604DF4B77}" type="slidenum">
               <a:rPr lang="en-US" smtClean="0"/>
               <a:pPr/>
-              <a:t>19</a:t>
+              <a:t>18</a:t>
             </a:fld>
             <a:endParaRPr lang="en-US"/>
           </a:p>
@@ -949,7 +1065,7 @@
     </p:spTree>
     <p:extLst>
       <p:ext uri="{BB962C8B-B14F-4D97-AF65-F5344CB8AC3E}">
-        <p14:creationId xmlns:p14="http://schemas.microsoft.com/office/powerpoint/2010/main" val="215655551"/>
+        <p14:creationId xmlns:p14="http://schemas.microsoft.com/office/powerpoint/2010/main" val="1603487357"/>
       </p:ext>
     </p:extLst>
   </p:cSld>
@@ -1003,19 +1119,7 @@
           <a:bodyPr/>
           <a:lstStyle/>
           <a:p>
-            <a:r>
-              <a:rPr lang="en-US" sz="1200" b="0" i="0" kern="1200" dirty="0" smtClean="0">
-                <a:solidFill>
-                  <a:schemeClr val="tx1"/>
-                </a:solidFill>
-                <a:effectLst/>
-                <a:latin typeface="+mn-lt"/>
-                <a:ea typeface="+mn-ea"/>
-                <a:cs typeface="+mn-cs"/>
-              </a:rPr>
-              <a:t>Filters are defined and then mapped to a URL or Servlet, in much the same was as Servlet is defined and then mapped to a URL pattern.</a:t>
-            </a:r>
-            <a:endParaRPr lang="en-US" dirty="0"/>
+            <a:endParaRPr lang="ro-RO"/>
           </a:p>
         </p:txBody>
       </p:sp>
@@ -1037,7 +1141,7 @@
             <a:fld id="{84377D70-F193-4353-836F-31B604DF4B77}" type="slidenum">
               <a:rPr lang="en-US" smtClean="0"/>
               <a:pPr/>
-              <a:t>21</a:t>
+              <a:t>19</a:t>
             </a:fld>
             <a:endParaRPr lang="en-US"/>
           </a:p>
@@ -1046,7 +1150,7 @@
     </p:spTree>
     <p:extLst>
       <p:ext uri="{BB962C8B-B14F-4D97-AF65-F5344CB8AC3E}">
-        <p14:creationId xmlns:p14="http://schemas.microsoft.com/office/powerpoint/2010/main" val="421144395"/>
+        <p14:creationId xmlns:p14="http://schemas.microsoft.com/office/powerpoint/2010/main" val="215655551"/>
       </p:ext>
     </p:extLst>
   </p:cSld>
@@ -1100,114 +1204,6 @@
           <a:bodyPr/>
           <a:lstStyle/>
           <a:p>
-            <a:pPr lvl="1"/>
-            <a:r>
-              <a:rPr lang="en-US" dirty="0" smtClean="0"/>
-              <a:t>1. Implement interface Filter from javax.servlet package</a:t>
-            </a:r>
-          </a:p>
-          <a:p>
-            <a:pPr lvl="1"/>
-            <a:r>
-              <a:rPr lang="en-US" dirty="0" smtClean="0"/>
-              <a:t>2. Implement method </a:t>
-            </a:r>
-            <a:r>
-              <a:rPr lang="en-US" dirty="0" err="1" smtClean="0"/>
-              <a:t>init</a:t>
-            </a:r>
-            <a:r>
-              <a:rPr lang="en-US" dirty="0" smtClean="0"/>
-              <a:t>().  In the implementation you can add several configurations to your filter. This method is called by the container once, when the filter is initialized</a:t>
-            </a:r>
-          </a:p>
-          <a:p>
-            <a:pPr lvl="1"/>
-            <a:r>
-              <a:rPr lang="en-US" dirty="0" smtClean="0"/>
-              <a:t>3. Implement method</a:t>
-            </a:r>
-          </a:p>
-          <a:p>
-            <a:pPr lvl="1"/>
-            <a:r>
-              <a:rPr lang="en-US" b="1" dirty="0" smtClean="0"/>
-              <a:t>public void doFilter (ServletRequest, ServletResponse, FilterChain)</a:t>
-            </a:r>
-          </a:p>
-          <a:p>
-            <a:pPr lvl="1"/>
-            <a:r>
-              <a:rPr lang="en-US" dirty="0" smtClean="0"/>
-              <a:t>Beside the request and response objects found also in the Servlets implementation, we have a </a:t>
-            </a:r>
-            <a:r>
-              <a:rPr lang="en-US" b="1" dirty="0" smtClean="0"/>
-              <a:t>FilterChain</a:t>
-            </a:r>
-            <a:r>
-              <a:rPr lang="en-US" dirty="0" smtClean="0"/>
-              <a:t> object, provided by the Servlet Container,  so that we can manage </a:t>
-            </a:r>
-            <a:r>
-              <a:rPr lang="en-US" b="1" dirty="0" smtClean="0"/>
-              <a:t>our filter chain</a:t>
-            </a:r>
-          </a:p>
-          <a:p>
-            <a:pPr lvl="1"/>
-            <a:r>
-              <a:rPr lang="en-US" b="1" dirty="0" smtClean="0"/>
-              <a:t>4. </a:t>
-            </a:r>
-            <a:r>
-              <a:rPr lang="en-US" dirty="0" smtClean="0"/>
-              <a:t>Implement method </a:t>
-            </a:r>
-            <a:r>
-              <a:rPr lang="en-US" b="1" dirty="0" smtClean="0"/>
-              <a:t>public void destroy() </a:t>
-            </a:r>
-            <a:r>
-              <a:rPr lang="en-US" dirty="0" smtClean="0"/>
-              <a:t>in order to release some resources used in our </a:t>
-            </a:r>
-            <a:r>
-              <a:rPr lang="en-US" b="1" dirty="0" err="1" smtClean="0"/>
-              <a:t>init</a:t>
-            </a:r>
-            <a:r>
-              <a:rPr lang="en-US" b="1" dirty="0" smtClean="0"/>
-              <a:t>() </a:t>
-            </a:r>
-            <a:r>
-              <a:rPr lang="en-US" dirty="0" smtClean="0"/>
-              <a:t>method encapsulated in the filter</a:t>
-            </a:r>
-          </a:p>
-          <a:p>
-            <a:endParaRPr lang="en-US" sz="1200" b="0" i="0" kern="1200" dirty="0" smtClean="0">
-              <a:solidFill>
-                <a:schemeClr val="tx1"/>
-              </a:solidFill>
-              <a:effectLst/>
-              <a:latin typeface="+mn-lt"/>
-              <a:ea typeface="+mn-ea"/>
-              <a:cs typeface="+mn-cs"/>
-            </a:endParaRPr>
-          </a:p>
-          <a:p>
-            <a:endParaRPr lang="en-US" sz="1200" b="0" i="0" kern="1200" dirty="0" smtClean="0">
-              <a:solidFill>
-                <a:schemeClr val="tx1"/>
-              </a:solidFill>
-              <a:effectLst/>
-              <a:latin typeface="+mn-lt"/>
-              <a:ea typeface="+mn-ea"/>
-              <a:cs typeface="+mn-cs"/>
-            </a:endParaRPr>
-          </a:p>
-          <a:p>
             <a:r>
               <a:rPr lang="en-US" sz="1200" b="0" i="0" kern="1200" dirty="0" smtClean="0">
                 <a:solidFill>
@@ -1218,29 +1214,7 @@
                 <a:ea typeface="+mn-ea"/>
                 <a:cs typeface="+mn-cs"/>
               </a:rPr>
-              <a:t>Multiple filters can be written and applied to the same URL pattern. The order of execution is determined by the ordering in the deployment descriptor. </a:t>
-            </a:r>
-          </a:p>
-          <a:p>
-            <a:r>
-              <a:rPr lang="en-US" sz="1200" b="0" i="0" kern="1200" dirty="0" smtClean="0">
-                <a:solidFill>
-                  <a:schemeClr val="tx1"/>
-                </a:solidFill>
-                <a:effectLst/>
-                <a:latin typeface="+mn-lt"/>
-                <a:ea typeface="+mn-ea"/>
-                <a:cs typeface="+mn-cs"/>
-              </a:rPr>
-              <a:t>Remember that in the doFilter() method you call the next element in the chain with: </a:t>
-            </a:r>
-            <a:r>
-              <a:rPr lang="en-US" dirty="0" err="1" smtClean="0"/>
-              <a:t>chain.doFilter</a:t>
-            </a:r>
-            <a:r>
-              <a:rPr lang="en-US" dirty="0" smtClean="0"/>
-              <a:t>(request, response);</a:t>
+              <a:t>Filters are defined and then mapped to a URL or Servlet, in much the same was as Servlet is defined and then mapped to a URL pattern.</a:t>
             </a:r>
             <a:endParaRPr lang="en-US" dirty="0"/>
           </a:p>
@@ -1264,7 +1238,7 @@
             <a:fld id="{84377D70-F193-4353-836F-31B604DF4B77}" type="slidenum">
               <a:rPr lang="en-US" smtClean="0"/>
               <a:pPr/>
-              <a:t>22</a:t>
+              <a:t>21</a:t>
             </a:fld>
             <a:endParaRPr lang="en-US"/>
           </a:p>
@@ -1273,7 +1247,7 @@
     </p:spTree>
     <p:extLst>
       <p:ext uri="{BB962C8B-B14F-4D97-AF65-F5344CB8AC3E}">
-        <p14:creationId xmlns:p14="http://schemas.microsoft.com/office/powerpoint/2010/main" val="2105287299"/>
+        <p14:creationId xmlns:p14="http://schemas.microsoft.com/office/powerpoint/2010/main" val="421144395"/>
       </p:ext>
     </p:extLst>
   </p:cSld>
@@ -1327,17 +1301,89 @@
           <a:bodyPr/>
           <a:lstStyle/>
           <a:p>
-            <a:r>
-              <a:rPr lang="en-US" sz="1200" b="0" i="0" kern="1200" dirty="0" smtClean="0">
-                <a:solidFill>
-                  <a:schemeClr val="tx1"/>
-                </a:solidFill>
-                <a:effectLst/>
-                <a:latin typeface="+mn-lt"/>
-                <a:ea typeface="+mn-ea"/>
-                <a:cs typeface="+mn-cs"/>
-              </a:rPr>
-              <a:t>Filters are defined and then mapped to a URL or Servlet, in much the same was as Servlet is defined and then mapped to a URL pattern.</a:t>
+            <a:pPr lvl="1"/>
+            <a:r>
+              <a:rPr lang="en-US" dirty="0" smtClean="0"/>
+              <a:t>1. Implement interface Filter from javax.servlet package</a:t>
+            </a:r>
+          </a:p>
+          <a:p>
+            <a:pPr lvl="1"/>
+            <a:r>
+              <a:rPr lang="en-US" dirty="0" smtClean="0"/>
+              <a:t>2. Implement method </a:t>
+            </a:r>
+            <a:r>
+              <a:rPr lang="en-US" dirty="0" err="1" smtClean="0"/>
+              <a:t>init</a:t>
+            </a:r>
+            <a:r>
+              <a:rPr lang="en-US" dirty="0" smtClean="0"/>
+              <a:t>().  In the implementation you can add several configurations to your filter. This method is called by the container once, when the filter is initialized</a:t>
+            </a:r>
+          </a:p>
+          <a:p>
+            <a:pPr lvl="1"/>
+            <a:r>
+              <a:rPr lang="en-US" dirty="0" smtClean="0"/>
+              <a:t>3. Implement method</a:t>
+            </a:r>
+          </a:p>
+          <a:p>
+            <a:pPr lvl="1"/>
+            <a:r>
+              <a:rPr lang="en-US" b="1" dirty="0" smtClean="0"/>
+              <a:t>public void doFilter (ServletRequest, ServletResponse, FilterChain)</a:t>
+            </a:r>
+          </a:p>
+          <a:p>
+            <a:pPr lvl="1"/>
+            <a:r>
+              <a:rPr lang="en-US" dirty="0" smtClean="0"/>
+              <a:t>Beside the request and response objects found also in the Servlets implementation, we have a </a:t>
+            </a:r>
+            <a:r>
+              <a:rPr lang="en-US" b="1" dirty="0" smtClean="0"/>
+              <a:t>FilterChain</a:t>
+            </a:r>
+            <a:r>
+              <a:rPr lang="en-US" dirty="0" smtClean="0"/>
+              <a:t> object, provided by the Servlet Container,  so that we can manage </a:t>
+            </a:r>
+            <a:r>
+              <a:rPr lang="en-US" b="1" dirty="0" smtClean="0"/>
+              <a:t>our filter chain</a:t>
+            </a:r>
+          </a:p>
+          <a:p>
+            <a:pPr lvl="1"/>
+            <a:r>
+              <a:rPr lang="en-US" b="1" dirty="0" smtClean="0"/>
+              <a:t>4. </a:t>
+            </a:r>
+            <a:r>
+              <a:rPr lang="en-US" dirty="0" smtClean="0"/>
+              <a:t>Implement method </a:t>
+            </a:r>
+            <a:r>
+              <a:rPr lang="en-US" b="1" dirty="0" smtClean="0"/>
+              <a:t>public void destroy() </a:t>
+            </a:r>
+            <a:r>
+              <a:rPr lang="en-US" dirty="0" smtClean="0"/>
+              <a:t>in order to release some resources used in our </a:t>
+            </a:r>
+            <a:r>
+              <a:rPr lang="en-US" b="1" dirty="0" err="1" smtClean="0"/>
+              <a:t>init</a:t>
+            </a:r>
+            <a:r>
+              <a:rPr lang="en-US" b="1" dirty="0" smtClean="0"/>
+              <a:t>() </a:t>
+            </a:r>
+            <a:r>
+              <a:rPr lang="en-US" dirty="0" smtClean="0"/>
+              <a:t>method encapsulated in the filter</a:t>
             </a:r>
           </a:p>
           <a:p>
@@ -1352,6 +1398,17 @@
             </a:endParaRPr>
           </a:p>
           <a:p>
+            <a:endParaRPr lang="en-US" sz="1200" b="0" i="0" kern="1200" dirty="0" smtClean="0">
+              <a:solidFill>
+                <a:schemeClr val="tx1"/>
+              </a:solidFill>
+              <a:effectLst/>
+              <a:latin typeface="+mn-lt"/>
+              <a:ea typeface="+mn-ea"/>
+              <a:cs typeface="+mn-cs"/>
+            </a:endParaRPr>
+          </a:p>
+          <a:p>
             <a:r>
               <a:rPr lang="en-US" sz="1200" b="0" i="0" kern="1200" dirty="0" smtClean="0">
                 <a:solidFill>
@@ -1362,7 +1419,29 @@
                 <a:ea typeface="+mn-ea"/>
                 <a:cs typeface="+mn-cs"/>
               </a:rPr>
-              <a:t>The order in which they are defined matters. The container will execute the filters in the order in which they are defined.</a:t>
+              <a:t>Multiple filters can be written and applied to the same URL pattern. The order of execution is determined by the ordering in the deployment descriptor. </a:t>
+            </a:r>
+          </a:p>
+          <a:p>
+            <a:r>
+              <a:rPr lang="en-US" sz="1200" b="0" i="0" kern="1200" dirty="0" smtClean="0">
+                <a:solidFill>
+                  <a:schemeClr val="tx1"/>
+                </a:solidFill>
+                <a:effectLst/>
+                <a:latin typeface="+mn-lt"/>
+                <a:ea typeface="+mn-ea"/>
+                <a:cs typeface="+mn-cs"/>
+              </a:rPr>
+              <a:t>Remember that in the doFilter() method you call the next element in the chain with: </a:t>
+            </a:r>
+            <a:r>
+              <a:rPr lang="en-US" dirty="0" err="1" smtClean="0"/>
+              <a:t>chain.doFilter</a:t>
+            </a:r>
+            <a:r>
+              <a:rPr lang="en-US" dirty="0" smtClean="0"/>
+              <a:t>(request, response);</a:t>
             </a:r>
             <a:endParaRPr lang="en-US" dirty="0"/>
           </a:p>
@@ -1386,7 +1465,7 @@
             <a:fld id="{84377D70-F193-4353-836F-31B604DF4B77}" type="slidenum">
               <a:rPr lang="en-US" smtClean="0"/>
               <a:pPr/>
-              <a:t>23</a:t>
+              <a:t>22</a:t>
             </a:fld>
             <a:endParaRPr lang="en-US"/>
           </a:p>
@@ -1395,7 +1474,7 @@
     </p:spTree>
     <p:extLst>
       <p:ext uri="{BB962C8B-B14F-4D97-AF65-F5344CB8AC3E}">
-        <p14:creationId xmlns:p14="http://schemas.microsoft.com/office/powerpoint/2010/main" val="2998533791"/>
+        <p14:creationId xmlns:p14="http://schemas.microsoft.com/office/powerpoint/2010/main" val="2105287299"/>
       </p:ext>
     </p:extLst>
   </p:cSld>
@@ -1449,7 +1528,44 @@
           <a:bodyPr/>
           <a:lstStyle/>
           <a:p>
-            <a:endParaRPr lang="ro-RO" dirty="0"/>
+            <a:r>
+              <a:rPr lang="en-US" sz="1200" b="0" i="0" kern="1200" dirty="0" smtClean="0">
+                <a:solidFill>
+                  <a:schemeClr val="tx1"/>
+                </a:solidFill>
+                <a:effectLst/>
+                <a:latin typeface="+mn-lt"/>
+                <a:ea typeface="+mn-ea"/>
+                <a:cs typeface="+mn-cs"/>
+              </a:rPr>
+              <a:t>Filters are defined and then mapped to a URL or Servlet, in much the same was as Servlet is defined and then mapped to a URL pattern.</a:t>
+            </a:r>
+          </a:p>
+          <a:p>
+            <a:endParaRPr lang="en-US" sz="1200" b="0" i="0" kern="1200" dirty="0" smtClean="0">
+              <a:solidFill>
+                <a:schemeClr val="tx1"/>
+              </a:solidFill>
+              <a:effectLst/>
+              <a:latin typeface="+mn-lt"/>
+              <a:ea typeface="+mn-ea"/>
+              <a:cs typeface="+mn-cs"/>
+            </a:endParaRPr>
+          </a:p>
+          <a:p>
+            <a:r>
+              <a:rPr lang="en-US" sz="1200" b="0" i="0" kern="1200" dirty="0" smtClean="0">
+                <a:solidFill>
+                  <a:schemeClr val="tx1"/>
+                </a:solidFill>
+                <a:effectLst/>
+                <a:latin typeface="+mn-lt"/>
+                <a:ea typeface="+mn-ea"/>
+                <a:cs typeface="+mn-cs"/>
+              </a:rPr>
+              <a:t>The order in which they are defined matters. The container will execute the filters in the order in which they are defined.</a:t>
+            </a:r>
+            <a:endParaRPr lang="en-US" dirty="0"/>
           </a:p>
         </p:txBody>
       </p:sp>
@@ -1471,7 +1587,7 @@
             <a:fld id="{84377D70-F193-4353-836F-31B604DF4B77}" type="slidenum">
               <a:rPr lang="en-US" smtClean="0"/>
               <a:pPr/>
-              <a:t>24</a:t>
+              <a:t>23</a:t>
             </a:fld>
             <a:endParaRPr lang="en-US"/>
           </a:p>
@@ -1480,7 +1596,7 @@
     </p:spTree>
     <p:extLst>
       <p:ext uri="{BB962C8B-B14F-4D97-AF65-F5344CB8AC3E}">
-        <p14:creationId xmlns:p14="http://schemas.microsoft.com/office/powerpoint/2010/main" val="3194539832"/>
+        <p14:creationId xmlns:p14="http://schemas.microsoft.com/office/powerpoint/2010/main" val="2998533791"/>
       </p:ext>
     </p:extLst>
   </p:cSld>
@@ -1534,7 +1650,7 @@
           <a:bodyPr/>
           <a:lstStyle/>
           <a:p>
-            <a:endParaRPr lang="ro-RO"/>
+            <a:endParaRPr lang="ro-RO" dirty="0"/>
           </a:p>
         </p:txBody>
       </p:sp>
@@ -1556,7 +1672,7 @@
             <a:fld id="{84377D70-F193-4353-836F-31B604DF4B77}" type="slidenum">
               <a:rPr lang="en-US" smtClean="0"/>
               <a:pPr/>
-              <a:t>25</a:t>
+              <a:t>24</a:t>
             </a:fld>
             <a:endParaRPr lang="en-US"/>
           </a:p>
@@ -1565,7 +1681,7 @@
     </p:spTree>
     <p:extLst>
       <p:ext uri="{BB962C8B-B14F-4D97-AF65-F5344CB8AC3E}">
-        <p14:creationId xmlns:p14="http://schemas.microsoft.com/office/powerpoint/2010/main" val="3245151541"/>
+        <p14:creationId xmlns:p14="http://schemas.microsoft.com/office/powerpoint/2010/main" val="3194539832"/>
       </p:ext>
     </p:extLst>
   </p:cSld>
@@ -1619,153 +1735,7 @@
           <a:bodyPr/>
           <a:lstStyle/>
           <a:p>
-            <a:pPr marL="228600" indent="-228600">
-              <a:buAutoNum type="arabicPeriod"/>
-            </a:pPr>
-            <a:r>
-              <a:rPr lang="en-US" sz="1200" b="1" i="0" kern="1200" dirty="0" smtClean="0">
-                <a:solidFill>
-                  <a:schemeClr val="tx1"/>
-                </a:solidFill>
-                <a:effectLst/>
-                <a:latin typeface="+mn-lt"/>
-                <a:ea typeface="+mn-ea"/>
-                <a:cs typeface="+mn-cs"/>
-              </a:rPr>
-              <a:t>Cookies</a:t>
-            </a:r>
-            <a:r>
-              <a:rPr lang="en-US" sz="1200" b="0" i="0" kern="1200" dirty="0" smtClean="0">
-                <a:solidFill>
-                  <a:schemeClr val="tx1"/>
-                </a:solidFill>
-                <a:effectLst/>
-                <a:latin typeface="+mn-lt"/>
-                <a:ea typeface="+mn-ea"/>
-                <a:cs typeface="+mn-cs"/>
-              </a:rPr>
-              <a:t> are small piece of information that is sent by web server in response header and gets stored in the browser cookies. When client make further request, it adds the cookie to the request header and we can utilize it to keep track of the session.</a:t>
-            </a:r>
-          </a:p>
-          <a:p>
-            <a:pPr marL="228600" marR="0" indent="-228600" algn="l" defTabSz="914400" rtl="0" eaLnBrk="1" fontAlgn="auto" latinLnBrk="0" hangingPunct="1">
-              <a:lnSpc>
-                <a:spcPct val="100000"/>
-              </a:lnSpc>
-              <a:spcBef>
-                <a:spcPts val="0"/>
-              </a:spcBef>
-              <a:spcAft>
-                <a:spcPts val="0"/>
-              </a:spcAft>
-              <a:buClrTx/>
-              <a:buSzTx/>
-              <a:buFontTx/>
-              <a:buAutoNum type="arabicPeriod"/>
-              <a:tabLst/>
-              <a:defRPr/>
-            </a:pPr>
-            <a:r>
-              <a:rPr lang="en-US" sz="1200" b="1" i="0" kern="1200" dirty="0" smtClean="0">
-                <a:solidFill>
-                  <a:schemeClr val="tx1"/>
-                </a:solidFill>
-                <a:effectLst/>
-                <a:latin typeface="+mn-lt"/>
-                <a:ea typeface="+mn-ea"/>
-                <a:cs typeface="+mn-cs"/>
-              </a:rPr>
-              <a:t>URL Rewriting</a:t>
-            </a:r>
-            <a:r>
-              <a:rPr lang="en-US" sz="1200" b="0" i="0" kern="1200" dirty="0" smtClean="0">
-                <a:solidFill>
-                  <a:schemeClr val="tx1"/>
-                </a:solidFill>
-                <a:effectLst/>
-                <a:latin typeface="+mn-lt"/>
-                <a:ea typeface="+mn-ea"/>
-                <a:cs typeface="+mn-cs"/>
-              </a:rPr>
-              <a:t> – We can append a session identifier parameter with every request and response to keep track of the session. This is very tedious because we need to keep track of this parameter in every response and make sure it’s not clashing with other parameters.</a:t>
-            </a:r>
-          </a:p>
-          <a:p>
-            <a:pPr marL="228600" marR="0" indent="-228600" algn="l" defTabSz="914400" rtl="0" eaLnBrk="1" fontAlgn="auto" latinLnBrk="0" hangingPunct="1">
-              <a:lnSpc>
-                <a:spcPct val="100000"/>
-              </a:lnSpc>
-              <a:spcBef>
-                <a:spcPts val="0"/>
-              </a:spcBef>
-              <a:spcAft>
-                <a:spcPts val="0"/>
-              </a:spcAft>
-              <a:buClrTx/>
-              <a:buSzTx/>
-              <a:buFontTx/>
-              <a:buAutoNum type="arabicPeriod"/>
-              <a:tabLst/>
-              <a:defRPr/>
-            </a:pPr>
-            <a:r>
-              <a:rPr lang="en-US" sz="1200" b="1" i="0" kern="1200" dirty="0" smtClean="0">
-                <a:solidFill>
-                  <a:schemeClr val="tx1"/>
-                </a:solidFill>
-                <a:effectLst/>
-                <a:latin typeface="+mn-lt"/>
-                <a:ea typeface="+mn-ea"/>
-                <a:cs typeface="+mn-cs"/>
-              </a:rPr>
-              <a:t>HTML Hidden Field</a:t>
-            </a:r>
-            <a:r>
-              <a:rPr lang="en-US" sz="1200" b="0" i="0" kern="1200" dirty="0" smtClean="0">
-                <a:solidFill>
-                  <a:schemeClr val="tx1"/>
-                </a:solidFill>
-                <a:effectLst/>
-                <a:latin typeface="+mn-lt"/>
-                <a:ea typeface="+mn-ea"/>
-                <a:cs typeface="+mn-cs"/>
-              </a:rPr>
-              <a:t> – We can create a unique hidden field in the HTML and when user starts navigating, we can set its value unique to the user and keep track of the session. This method can’t be used with links because it needs the form to be submitted every time request is made from client to server with the hidden field. Also it’s not secure because we can get the hidden field value from the HTML source and use it to hack the session.</a:t>
-            </a:r>
-          </a:p>
-          <a:p>
-            <a:pPr marL="228600" marR="0" indent="-228600" algn="l" defTabSz="914400" rtl="0" eaLnBrk="1" fontAlgn="auto" latinLnBrk="0" hangingPunct="1">
-              <a:lnSpc>
-                <a:spcPct val="100000"/>
-              </a:lnSpc>
-              <a:spcBef>
-                <a:spcPts val="0"/>
-              </a:spcBef>
-              <a:spcAft>
-                <a:spcPts val="0"/>
-              </a:spcAft>
-              <a:buClrTx/>
-              <a:buSzTx/>
-              <a:buFontTx/>
-              <a:buAutoNum type="arabicPeriod"/>
-              <a:tabLst/>
-              <a:defRPr/>
-            </a:pPr>
-            <a:endParaRPr lang="en-US" sz="1200" b="0" i="0" kern="1200" dirty="0" smtClean="0">
-              <a:solidFill>
-                <a:schemeClr val="tx1"/>
-              </a:solidFill>
-              <a:effectLst/>
-              <a:latin typeface="+mn-lt"/>
-              <a:ea typeface="+mn-ea"/>
-              <a:cs typeface="+mn-cs"/>
-            </a:endParaRPr>
-          </a:p>
-          <a:p>
-            <a:pPr marL="228600" indent="-228600">
-              <a:buAutoNum type="arabicPeriod"/>
-            </a:pPr>
-            <a:endParaRPr lang="en-US" dirty="0"/>
+            <a:endParaRPr lang="ro-RO"/>
           </a:p>
         </p:txBody>
       </p:sp>
@@ -1787,7 +1757,7 @@
             <a:fld id="{84377D70-F193-4353-836F-31B604DF4B77}" type="slidenum">
               <a:rPr lang="en-US" smtClean="0"/>
               <a:pPr/>
-              <a:t>27</a:t>
+              <a:t>25</a:t>
             </a:fld>
             <a:endParaRPr lang="en-US"/>
           </a:p>
@@ -1796,7 +1766,7 @@
     </p:spTree>
     <p:extLst>
       <p:ext uri="{BB962C8B-B14F-4D97-AF65-F5344CB8AC3E}">
-        <p14:creationId xmlns:p14="http://schemas.microsoft.com/office/powerpoint/2010/main" val="3596594324"/>
+        <p14:creationId xmlns:p14="http://schemas.microsoft.com/office/powerpoint/2010/main" val="3245151541"/>
       </p:ext>
     </p:extLst>
   </p:cSld>
@@ -1850,7 +1820,177 @@
           <a:bodyPr/>
           <a:lstStyle/>
           <a:p>
-            <a:endParaRPr lang="ro-RO" dirty="0"/>
+            <a:pPr marL="228600" indent="-228600">
+              <a:buAutoNum type="arabicPeriod"/>
+            </a:pPr>
+            <a:r>
+              <a:rPr lang="en-US" sz="1200" b="1" i="0" kern="1200" dirty="0" smtClean="0">
+                <a:solidFill>
+                  <a:schemeClr val="tx1"/>
+                </a:solidFill>
+                <a:effectLst/>
+                <a:latin typeface="+mn-lt"/>
+                <a:ea typeface="+mn-ea"/>
+                <a:cs typeface="+mn-cs"/>
+              </a:rPr>
+              <a:t>Cookies</a:t>
+            </a:r>
+            <a:r>
+              <a:rPr lang="en-US" sz="1200" b="0" i="0" kern="1200" dirty="0" smtClean="0">
+                <a:solidFill>
+                  <a:schemeClr val="tx1"/>
+                </a:solidFill>
+                <a:effectLst/>
+                <a:latin typeface="+mn-lt"/>
+                <a:ea typeface="+mn-ea"/>
+                <a:cs typeface="+mn-cs"/>
+              </a:rPr>
+              <a:t> are small piece of information that is sent by web server in response header and gets stored in the browser cookies. When client </a:t>
+            </a:r>
+            <a:r>
+              <a:rPr lang="en-US" sz="1200" b="0" i="0" kern="1200" dirty="0" smtClean="0">
+                <a:solidFill>
+                  <a:schemeClr val="tx1"/>
+                </a:solidFill>
+                <a:effectLst/>
+                <a:latin typeface="+mn-lt"/>
+                <a:ea typeface="+mn-ea"/>
+                <a:cs typeface="+mn-cs"/>
+              </a:rPr>
+              <a:t>makes </a:t>
+            </a:r>
+            <a:r>
+              <a:rPr lang="en-US" sz="1200" b="0" i="0" kern="1200" dirty="0" smtClean="0">
+                <a:solidFill>
+                  <a:schemeClr val="tx1"/>
+                </a:solidFill>
+                <a:effectLst/>
+                <a:latin typeface="+mn-lt"/>
+                <a:ea typeface="+mn-ea"/>
+                <a:cs typeface="+mn-cs"/>
+              </a:rPr>
+              <a:t>further request, it adds the cookie to the request header and we can utilize it to keep track of the session.</a:t>
+            </a:r>
+          </a:p>
+          <a:p>
+            <a:pPr marL="228600" marR="0" indent="-228600" algn="l" defTabSz="914400" rtl="0" eaLnBrk="1" fontAlgn="auto" latinLnBrk="0" hangingPunct="1">
+              <a:lnSpc>
+                <a:spcPct val="100000"/>
+              </a:lnSpc>
+              <a:spcBef>
+                <a:spcPts val="0"/>
+              </a:spcBef>
+              <a:spcAft>
+                <a:spcPts val="0"/>
+              </a:spcAft>
+              <a:buClrTx/>
+              <a:buSzTx/>
+              <a:buFontTx/>
+              <a:buAutoNum type="arabicPeriod"/>
+              <a:tabLst/>
+              <a:defRPr/>
+            </a:pPr>
+            <a:r>
+              <a:rPr lang="en-US" sz="1200" b="1" i="0" kern="1200" dirty="0" smtClean="0">
+                <a:solidFill>
+                  <a:schemeClr val="tx1"/>
+                </a:solidFill>
+                <a:effectLst/>
+                <a:latin typeface="+mn-lt"/>
+                <a:ea typeface="+mn-ea"/>
+                <a:cs typeface="+mn-cs"/>
+              </a:rPr>
+              <a:t>URL Rewriting</a:t>
+            </a:r>
+            <a:r>
+              <a:rPr lang="en-US" sz="1200" b="0" i="0" kern="1200" dirty="0" smtClean="0">
+                <a:solidFill>
+                  <a:schemeClr val="tx1"/>
+                </a:solidFill>
+                <a:effectLst/>
+                <a:latin typeface="+mn-lt"/>
+                <a:ea typeface="+mn-ea"/>
+                <a:cs typeface="+mn-cs"/>
+              </a:rPr>
+              <a:t> – We can append a session identifier parameter with every request and response to keep track of the session. This is very tedious because we need to keep track of this parameter in every response and make sure it’s not clashing with other parameters.</a:t>
+            </a:r>
+          </a:p>
+          <a:p>
+            <a:pPr marL="228600" marR="0" indent="-228600" algn="l" defTabSz="914400" rtl="0" eaLnBrk="1" fontAlgn="auto" latinLnBrk="0" hangingPunct="1">
+              <a:lnSpc>
+                <a:spcPct val="100000"/>
+              </a:lnSpc>
+              <a:spcBef>
+                <a:spcPts val="0"/>
+              </a:spcBef>
+              <a:spcAft>
+                <a:spcPts val="0"/>
+              </a:spcAft>
+              <a:buClrTx/>
+              <a:buSzTx/>
+              <a:buFontTx/>
+              <a:buAutoNum type="arabicPeriod"/>
+              <a:tabLst/>
+              <a:defRPr/>
+            </a:pPr>
+            <a:r>
+              <a:rPr lang="en-US" sz="1200" b="1" i="0" kern="1200" dirty="0" smtClean="0">
+                <a:solidFill>
+                  <a:schemeClr val="tx1"/>
+                </a:solidFill>
+                <a:effectLst/>
+                <a:latin typeface="+mn-lt"/>
+                <a:ea typeface="+mn-ea"/>
+                <a:cs typeface="+mn-cs"/>
+              </a:rPr>
+              <a:t>HTML Hidden Field</a:t>
+            </a:r>
+            <a:r>
+              <a:rPr lang="en-US" sz="1200" b="0" i="0" kern="1200" dirty="0" smtClean="0">
+                <a:solidFill>
+                  <a:schemeClr val="tx1"/>
+                </a:solidFill>
+                <a:effectLst/>
+                <a:latin typeface="+mn-lt"/>
+                <a:ea typeface="+mn-ea"/>
+                <a:cs typeface="+mn-cs"/>
+              </a:rPr>
+              <a:t> – We can create a unique hidden field in the HTML and when user starts navigating, we can set its value unique to the user and keep track of the session. This method can’t be used with links because it needs the form to be submitted every time request is made from client to server with the hidden field. Also it’s not secure because we can get the hidden field value from the HTML source and use it to hack the session.</a:t>
+            </a:r>
+          </a:p>
+          <a:p>
+            <a:pPr marL="228600" marR="0" indent="-228600" algn="l" defTabSz="914400" rtl="0" eaLnBrk="1" fontAlgn="auto" latinLnBrk="0" hangingPunct="1">
+              <a:lnSpc>
+                <a:spcPct val="100000"/>
+              </a:lnSpc>
+              <a:spcBef>
+                <a:spcPts val="0"/>
+              </a:spcBef>
+              <a:spcAft>
+                <a:spcPts val="0"/>
+              </a:spcAft>
+              <a:buClrTx/>
+              <a:buSzTx/>
+              <a:buFontTx/>
+              <a:buAutoNum type="arabicPeriod"/>
+              <a:tabLst/>
+              <a:defRPr/>
+            </a:pPr>
+            <a:endParaRPr lang="en-US" sz="1200" b="0" i="0" kern="1200" dirty="0" smtClean="0">
+              <a:solidFill>
+                <a:schemeClr val="tx1"/>
+              </a:solidFill>
+              <a:effectLst/>
+              <a:latin typeface="+mn-lt"/>
+              <a:ea typeface="+mn-ea"/>
+              <a:cs typeface="+mn-cs"/>
+            </a:endParaRPr>
+          </a:p>
+          <a:p>
+            <a:pPr marL="228600" indent="-228600">
+              <a:buAutoNum type="arabicPeriod"/>
+            </a:pPr>
+            <a:endParaRPr lang="en-US" dirty="0"/>
           </a:p>
         </p:txBody>
       </p:sp>
@@ -1872,7 +2012,7 @@
             <a:fld id="{84377D70-F193-4353-836F-31B604DF4B77}" type="slidenum">
               <a:rPr lang="en-US" smtClean="0"/>
               <a:pPr/>
-              <a:t>30</a:t>
+              <a:t>27</a:t>
             </a:fld>
             <a:endParaRPr lang="en-US"/>
           </a:p>
@@ -1881,7 +2021,7 @@
     </p:spTree>
     <p:extLst>
       <p:ext uri="{BB962C8B-B14F-4D97-AF65-F5344CB8AC3E}">
-        <p14:creationId xmlns:p14="http://schemas.microsoft.com/office/powerpoint/2010/main" val="3194539832"/>
+        <p14:creationId xmlns:p14="http://schemas.microsoft.com/office/powerpoint/2010/main" val="3596594324"/>
       </p:ext>
     </p:extLst>
   </p:cSld>
@@ -1967,6 +2107,91 @@
     <p:extLst>
       <p:ext uri="{BB962C8B-B14F-4D97-AF65-F5344CB8AC3E}">
         <p14:creationId xmlns:p14="http://schemas.microsoft.com/office/powerpoint/2010/main" val="3295288541"/>
+      </p:ext>
+    </p:extLst>
+  </p:cSld>
+  <p:clrMapOvr>
+    <a:masterClrMapping/>
+  </p:clrMapOvr>
+</p:notes>
+</file>
+
+<file path=ppt/notesSlides/notesSlide20.xml><?xml version="1.0" encoding="utf-8"?>
+<p:notes xmlns:a="http://schemas.openxmlformats.org/drawingml/2006/main" xmlns:r="http://schemas.openxmlformats.org/officeDocument/2006/relationships" xmlns:p="http://schemas.openxmlformats.org/presentationml/2006/main">
+  <p:cSld>
+    <p:spTree>
+      <p:nvGrpSpPr>
+        <p:cNvPr id="1" name=""/>
+        <p:cNvGrpSpPr/>
+        <p:nvPr/>
+      </p:nvGrpSpPr>
+      <p:grpSpPr>
+        <a:xfrm>
+          <a:off x="0" y="0"/>
+          <a:ext cx="0" cy="0"/>
+          <a:chOff x="0" y="0"/>
+          <a:chExt cx="0" cy="0"/>
+        </a:xfrm>
+      </p:grpSpPr>
+      <p:sp>
+        <p:nvSpPr>
+          <p:cNvPr id="2" name="Slide Image Placeholder 1"/>
+          <p:cNvSpPr>
+            <a:spLocks noGrp="1" noRot="1" noChangeAspect="1"/>
+          </p:cNvSpPr>
+          <p:nvPr>
+            <p:ph type="sldImg"/>
+          </p:nvPr>
+        </p:nvSpPr>
+        <p:spPr/>
+      </p:sp>
+      <p:sp>
+        <p:nvSpPr>
+          <p:cNvPr id="3" name="Notes Placeholder 2"/>
+          <p:cNvSpPr>
+            <a:spLocks noGrp="1"/>
+          </p:cNvSpPr>
+          <p:nvPr>
+            <p:ph type="body" idx="1"/>
+          </p:nvPr>
+        </p:nvSpPr>
+        <p:spPr/>
+        <p:txBody>
+          <a:bodyPr/>
+          <a:lstStyle/>
+          <a:p>
+            <a:endParaRPr lang="ro-RO" dirty="0"/>
+          </a:p>
+        </p:txBody>
+      </p:sp>
+      <p:sp>
+        <p:nvSpPr>
+          <p:cNvPr id="4" name="Slide Number Placeholder 3"/>
+          <p:cNvSpPr>
+            <a:spLocks noGrp="1"/>
+          </p:cNvSpPr>
+          <p:nvPr>
+            <p:ph type="sldNum" sz="quarter" idx="10"/>
+          </p:nvPr>
+        </p:nvSpPr>
+        <p:spPr/>
+        <p:txBody>
+          <a:bodyPr/>
+          <a:lstStyle/>
+          <a:p>
+            <a:fld id="{84377D70-F193-4353-836F-31B604DF4B77}" type="slidenum">
+              <a:rPr lang="en-US" smtClean="0"/>
+              <a:pPr/>
+              <a:t>30</a:t>
+            </a:fld>
+            <a:endParaRPr lang="en-US"/>
+          </a:p>
+        </p:txBody>
+      </p:sp>
+    </p:spTree>
+    <p:extLst>
+      <p:ext uri="{BB962C8B-B14F-4D97-AF65-F5344CB8AC3E}">
+        <p14:creationId xmlns:p14="http://schemas.microsoft.com/office/powerpoint/2010/main" val="3194539832"/>
       </p:ext>
     </p:extLst>
   </p:cSld>
@@ -6343,7 +6568,7 @@
         </p:nvSpPr>
         <p:spPr>
           <a:xfrm>
-            <a:off x="4032069" y="5252932"/>
+            <a:off x="3779405" y="5393250"/>
             <a:ext cx="3890012" cy="1354217"/>
           </a:xfrm>
           <a:prstGeom prst="rect">
@@ -6685,7 +6910,7 @@
               <a:buAutoNum type="arabicPeriod"/>
             </a:pPr>
             <a:r>
-              <a:rPr lang="en-US" dirty="0" smtClean="0"/>
+              <a:rPr lang="en-US" sz="2000" dirty="0" smtClean="0"/>
               <a:t>HTTP server receives request for .jsp file</a:t>
             </a:r>
           </a:p>
@@ -6698,7 +6923,7 @@
               <a:buAutoNum type="arabicPeriod"/>
             </a:pPr>
             <a:r>
-              <a:rPr lang="en-US" dirty="0" smtClean="0"/>
+              <a:rPr lang="en-US" sz="2000" dirty="0" smtClean="0"/>
               <a:t>The .jsp file is located (can be in any directory)</a:t>
             </a:r>
           </a:p>
@@ -6711,7 +6936,7 @@
               <a:buAutoNum type="arabicPeriod"/>
             </a:pPr>
             <a:r>
-              <a:rPr lang="en-US" dirty="0" smtClean="0"/>
+              <a:rPr lang="en-US" sz="2000" dirty="0" smtClean="0"/>
               <a:t>Tomcat is called and passed the .jsp file</a:t>
             </a:r>
           </a:p>
@@ -6724,7 +6949,7 @@
               <a:buAutoNum type="arabicPeriod"/>
             </a:pPr>
             <a:r>
-              <a:rPr lang="en-US" dirty="0" smtClean="0"/>
+              <a:rPr lang="en-US" sz="2000" dirty="0" smtClean="0"/>
               <a:t>A servlet is created based on JSP code (that may include also java code beside HTML)</a:t>
             </a:r>
           </a:p>
@@ -6737,14 +6962,14 @@
               <a:buAutoNum type="arabicPeriod"/>
             </a:pPr>
             <a:r>
-              <a:rPr lang="en-US" dirty="0" smtClean="0"/>
+              <a:rPr lang="en-US" sz="2000" dirty="0" smtClean="0"/>
               <a:t>The servlet .java and .class files are written to disk, internal to Tomcat under the folder </a:t>
             </a:r>
             <a:r>
-              <a:rPr lang="en-US" sz="1600" b="1" dirty="0" smtClean="0"/>
+              <a:rPr lang="en-US" sz="2000" b="1" dirty="0" smtClean="0"/>
               <a:t>%CATALINA_HOME%\work\Catalina\&lt;your_application&gt;\org\apache\jsp</a:t>
             </a:r>
-            <a:endParaRPr lang="en-US" dirty="0" smtClean="0"/>
+            <a:endParaRPr lang="en-US" sz="2000" dirty="0" smtClean="0"/>
           </a:p>
           <a:p>
             <a:pPr marL="533400" indent="-533400" algn="l">
@@ -6755,7 +6980,7 @@
               <a:buAutoNum type="arabicPeriod"/>
             </a:pPr>
             <a:r>
-              <a:rPr lang="en-US" dirty="0" smtClean="0"/>
+              <a:rPr lang="en-US" sz="2000" dirty="0" smtClean="0"/>
               <a:t>The .class file is processed by the JVM within Tomcat like any other servlet</a:t>
             </a:r>
           </a:p>
@@ -6768,10 +6993,10 @@
               <a:buAutoNum type="arabicPeriod"/>
             </a:pPr>
             <a:r>
-              <a:rPr lang="en-US" dirty="0" smtClean="0"/>
+              <a:rPr lang="en-US" sz="2000" dirty="0" smtClean="0"/>
               <a:t>HTML code is generated by the servlet and returned</a:t>
             </a:r>
-            <a:endParaRPr lang="en-US" dirty="0"/>
+            <a:endParaRPr lang="en-US" sz="2000" dirty="0"/>
           </a:p>
         </p:txBody>
       </p:sp>
@@ -7101,7 +7326,7 @@
         </p:nvSpPr>
         <p:spPr>
           <a:xfrm>
-            <a:off x="720723" y="2098668"/>
+            <a:off x="720724" y="1875591"/>
             <a:ext cx="7704139" cy="4431983"/>
           </a:xfrm>
           <a:prstGeom prst="rect">
